--- a/Zpecial.pptx
+++ b/Zpecial.pptx
@@ -5,21 +5,22 @@
     <p:sldMasterId id="2147483660" r:id="rId4"/>
   </p:sldMasterIdLst>
   <p:notesMasterIdLst>
-    <p:notesMasterId r:id="rId14"/>
+    <p:notesMasterId r:id="rId15"/>
   </p:notesMasterIdLst>
   <p:handoutMasterIdLst>
-    <p:handoutMasterId r:id="rId15"/>
+    <p:handoutMasterId r:id="rId16"/>
   </p:handoutMasterIdLst>
   <p:sldIdLst>
     <p:sldId id="278" r:id="rId5"/>
-    <p:sldId id="279" r:id="rId6"/>
-    <p:sldId id="281" r:id="rId7"/>
-    <p:sldId id="282" r:id="rId8"/>
-    <p:sldId id="283" r:id="rId9"/>
-    <p:sldId id="284" r:id="rId10"/>
-    <p:sldId id="285" r:id="rId11"/>
-    <p:sldId id="286" r:id="rId12"/>
-    <p:sldId id="287" r:id="rId13"/>
+    <p:sldId id="288" r:id="rId6"/>
+    <p:sldId id="279" r:id="rId7"/>
+    <p:sldId id="281" r:id="rId8"/>
+    <p:sldId id="282" r:id="rId9"/>
+    <p:sldId id="283" r:id="rId10"/>
+    <p:sldId id="284" r:id="rId11"/>
+    <p:sldId id="285" r:id="rId12"/>
+    <p:sldId id="286" r:id="rId13"/>
+    <p:sldId id="287" r:id="rId14"/>
   </p:sldIdLst>
   <p:sldSz cx="12192000" cy="6858000"/>
   <p:notesSz cx="6858000" cy="9144000"/>
@@ -129,6 +130,58 @@
 </p:presentation>
 </file>
 
+<file path=ppt/revisionInfo.xml><?xml version="1.0" encoding="utf-8"?>
+<p1510:revInfo xmlns:a="http://schemas.openxmlformats.org/drawingml/2006/main" xmlns:r="http://schemas.openxmlformats.org/officeDocument/2006/relationships" xmlns:p1510="http://schemas.microsoft.com/office/powerpoint/2015/10/main">
+  <p1510:revLst>
+    <p1510:client id="{F3015ADA-8C6C-42BA-89EA-6E8990E54C2E}" v="144" dt="2024-06-08T14:53:45.069"/>
+  </p1510:revLst>
+</p1510:revInfo>
+</file>
+
+<file path=ppt/changesInfos/changesInfo1.xml><?xml version="1.0" encoding="utf-8"?>
+<pc:chgInfo xmlns:a="http://schemas.openxmlformats.org/drawingml/2006/main" xmlns:r="http://schemas.openxmlformats.org/officeDocument/2006/relationships" xmlns:ac="http://schemas.microsoft.com/office/drawing/2013/main/command" xmlns:pc="http://schemas.microsoft.com/office/powerpoint/2013/main/command">
+  <pc:docChgLst>
+    <pc:chgData name="Cristóbal Alcalá" userId="3beac89d1a333ff5" providerId="LiveId" clId="{F3015ADA-8C6C-42BA-89EA-6E8990E54C2E}"/>
+    <pc:docChg chg="addSld delSld modSld sldOrd">
+      <pc:chgData name="Cristóbal Alcalá" userId="3beac89d1a333ff5" providerId="LiveId" clId="{F3015ADA-8C6C-42BA-89EA-6E8990E54C2E}" dt="2024-06-08T14:53:45.069" v="142" actId="2711"/>
+      <pc:docMkLst>
+        <pc:docMk/>
+      </pc:docMkLst>
+      <pc:sldChg chg="modSp add ord modAnim">
+        <pc:chgData name="Cristóbal Alcalá" userId="3beac89d1a333ff5" providerId="LiveId" clId="{F3015ADA-8C6C-42BA-89EA-6E8990E54C2E}" dt="2024-06-08T14:53:45.069" v="142" actId="2711"/>
+        <pc:sldMkLst>
+          <pc:docMk/>
+          <pc:sldMk cId="1842202210" sldId="288"/>
+        </pc:sldMkLst>
+        <pc:spChg chg="mod">
+          <ac:chgData name="Cristóbal Alcalá" userId="3beac89d1a333ff5" providerId="LiveId" clId="{F3015ADA-8C6C-42BA-89EA-6E8990E54C2E}" dt="2024-06-08T14:48:24.366" v="12" actId="20577"/>
+          <ac:spMkLst>
+            <pc:docMk/>
+            <pc:sldMk cId="1842202210" sldId="288"/>
+            <ac:spMk id="8" creationId="{F08AF0F7-3AE8-4FAC-84E3-731950EDBE0A}"/>
+          </ac:spMkLst>
+        </pc:spChg>
+        <pc:spChg chg="mod">
+          <ac:chgData name="Cristóbal Alcalá" userId="3beac89d1a333ff5" providerId="LiveId" clId="{F3015ADA-8C6C-42BA-89EA-6E8990E54C2E}" dt="2024-06-08T14:53:45.069" v="142" actId="2711"/>
+          <ac:spMkLst>
+            <pc:docMk/>
+            <pc:sldMk cId="1842202210" sldId="288"/>
+            <ac:spMk id="9" creationId="{022FA8D1-4BD5-9F7B-FB24-6F479DBBE611}"/>
+          </ac:spMkLst>
+        </pc:spChg>
+      </pc:sldChg>
+      <pc:sldChg chg="add del">
+        <pc:chgData name="Cristóbal Alcalá" userId="3beac89d1a333ff5" providerId="LiveId" clId="{F3015ADA-8C6C-42BA-89EA-6E8990E54C2E}" dt="2024-06-08T14:47:59.951" v="1" actId="47"/>
+        <pc:sldMkLst>
+          <pc:docMk/>
+          <pc:sldMk cId="4274064761" sldId="288"/>
+        </pc:sldMkLst>
+      </pc:sldChg>
+    </pc:docChg>
+  </pc:docChgLst>
+</pc:chgInfo>
+</file>
+
 <file path=ppt/handoutMasters/handoutMaster1.xml><?xml version="1.0" encoding="utf-8"?>
 <p:handoutMaster xmlns:a="http://schemas.openxmlformats.org/drawingml/2006/main" xmlns:r="http://schemas.openxmlformats.org/officeDocument/2006/relationships" xmlns:p="http://schemas.openxmlformats.org/presentationml/2006/main">
   <p:cSld>
@@ -211,7 +264,7 @@
           <a:p>
             <a:fld id="{456FB012-E420-4B95-AE63-A8D98F1E9FF8}" type="datetime1">
               <a:rPr lang="es-ES" smtClean="0"/>
-              <a:t>06/06/2024</a:t>
+              <a:t>08/06/2024</a:t>
             </a:fld>
             <a:endParaRPr lang="es-ES" dirty="0"/>
           </a:p>
@@ -379,7 +432,7 @@
             <a:pPr rtl="0"/>
             <a:fld id="{2BEC11F6-780B-4A70-BC74-0ABACE79CAA5}" type="datetime1">
               <a:rPr lang="es-ES" noProof="0" smtClean="0"/>
-              <a:t>06/06/2024</a:t>
+              <a:t>08/06/2024</a:t>
             </a:fld>
             <a:endParaRPr lang="es-ES" noProof="0" dirty="0"/>
           </a:p>
@@ -735,6 +788,91 @@
 </p:notes>
 </file>
 
+<file path=ppt/notesSlides/notesSlide10.xml><?xml version="1.0" encoding="utf-8"?>
+<p:notes xmlns:a="http://schemas.openxmlformats.org/drawingml/2006/main" xmlns:r="http://schemas.openxmlformats.org/officeDocument/2006/relationships" xmlns:p="http://schemas.openxmlformats.org/presentationml/2006/main">
+  <p:cSld>
+    <p:spTree>
+      <p:nvGrpSpPr>
+        <p:cNvPr id="1" name=""/>
+        <p:cNvGrpSpPr/>
+        <p:nvPr/>
+      </p:nvGrpSpPr>
+      <p:grpSpPr>
+        <a:xfrm>
+          <a:off x="0" y="0"/>
+          <a:ext cx="0" cy="0"/>
+          <a:chOff x="0" y="0"/>
+          <a:chExt cx="0" cy="0"/>
+        </a:xfrm>
+      </p:grpSpPr>
+      <p:sp>
+        <p:nvSpPr>
+          <p:cNvPr id="2" name="Marcador de imagen de diapositiva 1"/>
+          <p:cNvSpPr>
+            <a:spLocks noGrp="1" noRot="1" noChangeAspect="1"/>
+          </p:cNvSpPr>
+          <p:nvPr>
+            <p:ph type="sldImg"/>
+          </p:nvPr>
+        </p:nvSpPr>
+        <p:spPr/>
+      </p:sp>
+      <p:sp>
+        <p:nvSpPr>
+          <p:cNvPr id="3" name="Marcador de notas 2"/>
+          <p:cNvSpPr>
+            <a:spLocks noGrp="1"/>
+          </p:cNvSpPr>
+          <p:nvPr>
+            <p:ph type="body" idx="1"/>
+          </p:nvPr>
+        </p:nvSpPr>
+        <p:spPr/>
+        <p:txBody>
+          <a:bodyPr/>
+          <a:lstStyle/>
+          <a:p>
+            <a:endParaRPr lang="es-ES" dirty="0"/>
+          </a:p>
+        </p:txBody>
+      </p:sp>
+      <p:sp>
+        <p:nvSpPr>
+          <p:cNvPr id="4" name="Marcador de número de diapositiva 3"/>
+          <p:cNvSpPr>
+            <a:spLocks noGrp="1"/>
+          </p:cNvSpPr>
+          <p:nvPr>
+            <p:ph type="sldNum" sz="quarter" idx="10"/>
+          </p:nvPr>
+        </p:nvSpPr>
+        <p:spPr/>
+        <p:txBody>
+          <a:bodyPr/>
+          <a:lstStyle/>
+          <a:p>
+            <a:pPr rtl="0"/>
+            <a:fld id="{2E6DE88F-1F85-4A27-9D34-D74A50E7B0DA}" type="slidenum">
+              <a:rPr lang="es-ES" smtClean="0"/>
+              <a:t>10</a:t>
+            </a:fld>
+            <a:endParaRPr lang="es-ES" dirty="0"/>
+          </a:p>
+        </p:txBody>
+      </p:sp>
+    </p:spTree>
+    <p:extLst>
+      <p:ext uri="{BB962C8B-B14F-4D97-AF65-F5344CB8AC3E}">
+        <p14:creationId xmlns:p14="http://schemas.microsoft.com/office/powerpoint/2010/main" val="1532463627"/>
+      </p:ext>
+    </p:extLst>
+  </p:cSld>
+  <p:clrMapOvr>
+    <a:masterClrMapping/>
+  </p:clrMapOvr>
+</p:notes>
+</file>
+
 <file path=ppt/notesSlides/notesSlide2.xml><?xml version="1.0" encoding="utf-8"?>
 <p:notes xmlns:a="http://schemas.openxmlformats.org/drawingml/2006/main" xmlns:r="http://schemas.openxmlformats.org/officeDocument/2006/relationships" xmlns:p="http://schemas.openxmlformats.org/presentationml/2006/main">
   <p:cSld>
@@ -870,7 +1008,7 @@
     </p:spTree>
     <p:extLst>
       <p:ext uri="{BB962C8B-B14F-4D97-AF65-F5344CB8AC3E}">
-        <p14:creationId xmlns:p14="http://schemas.microsoft.com/office/powerpoint/2010/main" val="457847550"/>
+        <p14:creationId xmlns:p14="http://schemas.microsoft.com/office/powerpoint/2010/main" val="3316091645"/>
       </p:ext>
     </p:extLst>
   </p:cSld>
@@ -1015,7 +1153,7 @@
     </p:spTree>
     <p:extLst>
       <p:ext uri="{BB962C8B-B14F-4D97-AF65-F5344CB8AC3E}">
-        <p14:creationId xmlns:p14="http://schemas.microsoft.com/office/powerpoint/2010/main" val="2524197850"/>
+        <p14:creationId xmlns:p14="http://schemas.microsoft.com/office/powerpoint/2010/main" val="457847550"/>
       </p:ext>
     </p:extLst>
   </p:cSld>
@@ -1160,7 +1298,7 @@
     </p:spTree>
     <p:extLst>
       <p:ext uri="{BB962C8B-B14F-4D97-AF65-F5344CB8AC3E}">
-        <p14:creationId xmlns:p14="http://schemas.microsoft.com/office/powerpoint/2010/main" val="3838722846"/>
+        <p14:creationId xmlns:p14="http://schemas.microsoft.com/office/powerpoint/2010/main" val="2524197850"/>
       </p:ext>
     </p:extLst>
   </p:cSld>
@@ -1305,7 +1443,7 @@
     </p:spTree>
     <p:extLst>
       <p:ext uri="{BB962C8B-B14F-4D97-AF65-F5344CB8AC3E}">
-        <p14:creationId xmlns:p14="http://schemas.microsoft.com/office/powerpoint/2010/main" val="1673609560"/>
+        <p14:creationId xmlns:p14="http://schemas.microsoft.com/office/powerpoint/2010/main" val="3838722846"/>
       </p:ext>
     </p:extLst>
   </p:cSld>
@@ -1450,7 +1588,7 @@
     </p:spTree>
     <p:extLst>
       <p:ext uri="{BB962C8B-B14F-4D97-AF65-F5344CB8AC3E}">
-        <p14:creationId xmlns:p14="http://schemas.microsoft.com/office/powerpoint/2010/main" val="2607210993"/>
+        <p14:creationId xmlns:p14="http://schemas.microsoft.com/office/powerpoint/2010/main" val="1673609560"/>
       </p:ext>
     </p:extLst>
   </p:cSld>
@@ -1595,7 +1733,7 @@
     </p:spTree>
     <p:extLst>
       <p:ext uri="{BB962C8B-B14F-4D97-AF65-F5344CB8AC3E}">
-        <p14:creationId xmlns:p14="http://schemas.microsoft.com/office/powerpoint/2010/main" val="1995982299"/>
+        <p14:creationId xmlns:p14="http://schemas.microsoft.com/office/powerpoint/2010/main" val="2607210993"/>
       </p:ext>
     </p:extLst>
   </p:cSld>
@@ -1740,7 +1878,7 @@
     </p:spTree>
     <p:extLst>
       <p:ext uri="{BB962C8B-B14F-4D97-AF65-F5344CB8AC3E}">
-        <p14:creationId xmlns:p14="http://schemas.microsoft.com/office/powerpoint/2010/main" val="1833667268"/>
+        <p14:creationId xmlns:p14="http://schemas.microsoft.com/office/powerpoint/2010/main" val="1995982299"/>
       </p:ext>
     </p:extLst>
   </p:cSld>
@@ -1781,7 +1919,7 @@
       </p:sp>
       <p:sp>
         <p:nvSpPr>
-          <p:cNvPr id="3" name="Marcador de notas 2"/>
+          <p:cNvPr id="3" name="Marcador de posición de notas 2"/>
           <p:cNvSpPr>
             <a:spLocks noGrp="1"/>
           </p:cNvSpPr>
@@ -1791,41 +1929,101 @@
         </p:nvSpPr>
         <p:spPr/>
         <p:txBody>
-          <a:bodyPr/>
+          <a:bodyPr rtlCol="0"/>
           <a:lstStyle/>
           <a:p>
+            <a:pPr rtl="0"/>
             <a:endParaRPr lang="es-ES" dirty="0"/>
           </a:p>
         </p:txBody>
       </p:sp>
       <p:sp>
         <p:nvSpPr>
-          <p:cNvPr id="4" name="Marcador de número de diapositiva 3"/>
+          <p:cNvPr id="4" name="Marcador de posición de número de diapositiva 3"/>
           <p:cNvSpPr>
             <a:spLocks noGrp="1"/>
           </p:cNvSpPr>
           <p:nvPr>
-            <p:ph type="sldNum" sz="quarter" idx="10"/>
+            <p:ph type="sldNum" sz="quarter" idx="5"/>
           </p:nvPr>
         </p:nvSpPr>
         <p:spPr/>
         <p:txBody>
-          <a:bodyPr/>
+          <a:bodyPr rtlCol="0"/>
           <a:lstStyle/>
           <a:p>
-            <a:pPr rtl="0"/>
-            <a:fld id="{2E6DE88F-1F85-4A27-9D34-D74A50E7B0DA}" type="slidenum">
-              <a:rPr lang="es-ES" smtClean="0"/>
+            <a:pPr marL="0" marR="0" lvl="0" indent="0" algn="r" defTabSz="914400" rtl="0" eaLnBrk="1" fontAlgn="auto" latinLnBrk="0" hangingPunct="1">
+              <a:lnSpc>
+                <a:spcPct val="100000"/>
+              </a:lnSpc>
+              <a:spcBef>
+                <a:spcPts val="0"/>
+              </a:spcBef>
+              <a:spcAft>
+                <a:spcPts val="0"/>
+              </a:spcAft>
+              <a:buClrTx/>
+              <a:buSzTx/>
+              <a:buFontTx/>
+              <a:buNone/>
+              <a:tabLst/>
+              <a:defRPr/>
+            </a:pPr>
+            <a:fld id="{33AEA074-24A7-4657-AE02-A51F68EA6AA2}" type="slidenum">
+              <a:rPr kumimoji="0" lang="es-ES" sz="1200" b="0" i="0" u="none" strike="noStrike" kern="1200" cap="none" spc="0" normalizeH="0" baseline="0" smtClean="0">
+                <a:ln>
+                  <a:noFill/>
+                </a:ln>
+                <a:solidFill>
+                  <a:prstClr val="black"/>
+                </a:solidFill>
+                <a:effectLst/>
+                <a:uLnTx/>
+                <a:uFillTx/>
+                <a:latin typeface="Calibri" panose="020F0502020204030204"/>
+                <a:ea typeface="+mn-ea"/>
+                <a:cs typeface="+mn-cs"/>
+              </a:rPr>
+              <a:pPr marL="0" marR="0" lvl="0" indent="0" algn="r" defTabSz="914400" rtl="0" eaLnBrk="1" fontAlgn="auto" latinLnBrk="0" hangingPunct="1">
+                <a:lnSpc>
+                  <a:spcPct val="100000"/>
+                </a:lnSpc>
+                <a:spcBef>
+                  <a:spcPts val="0"/>
+                </a:spcBef>
+                <a:spcAft>
+                  <a:spcPts val="0"/>
+                </a:spcAft>
+                <a:buClrTx/>
+                <a:buSzTx/>
+                <a:buFontTx/>
+                <a:buNone/>
+                <a:tabLst/>
+                <a:defRPr/>
+              </a:pPr>
               <a:t>9</a:t>
             </a:fld>
-            <a:endParaRPr lang="es-ES" dirty="0"/>
+            <a:endParaRPr kumimoji="0" lang="es-ES" sz="1200" b="0" i="0" u="none" strike="noStrike" kern="1200" cap="none" spc="0" normalizeH="0" baseline="0" dirty="0">
+              <a:ln>
+                <a:noFill/>
+              </a:ln>
+              <a:solidFill>
+                <a:prstClr val="black"/>
+              </a:solidFill>
+              <a:effectLst/>
+              <a:uLnTx/>
+              <a:uFillTx/>
+              <a:latin typeface="Calibri" panose="020F0502020204030204"/>
+              <a:ea typeface="+mn-ea"/>
+              <a:cs typeface="+mn-cs"/>
+            </a:endParaRPr>
           </a:p>
         </p:txBody>
       </p:sp>
     </p:spTree>
     <p:extLst>
       <p:ext uri="{BB962C8B-B14F-4D97-AF65-F5344CB8AC3E}">
-        <p14:creationId xmlns:p14="http://schemas.microsoft.com/office/powerpoint/2010/main" val="1532463627"/>
+        <p14:creationId xmlns:p14="http://schemas.microsoft.com/office/powerpoint/2010/main" val="1833667268"/>
       </p:ext>
     </p:extLst>
   </p:cSld>
@@ -2023,7 +2221,7 @@
             <a:pPr rtl="0"/>
             <a:fld id="{931C7952-479D-4D4B-8F19-C6026F510D9E}" type="datetime1">
               <a:rPr lang="es-ES" noProof="0" smtClean="0"/>
-              <a:t>06/06/2024</a:t>
+              <a:t>08/06/2024</a:t>
             </a:fld>
             <a:endParaRPr lang="es-ES" noProof="0" dirty="0"/>
           </a:p>
@@ -2084,13 +2282,13 @@
   <p:clrMapOvr>
     <a:masterClrMapping/>
   </p:clrMapOvr>
-  <mc:AlternateContent xmlns:mc="http://schemas.openxmlformats.org/markup-compatibility/2006">
-    <mc:Choice xmlns:p14="http://schemas.microsoft.com/office/powerpoint/2010/main" Requires="p14">
+  <mc:AlternateContent xmlns:mc="http://schemas.openxmlformats.org/markup-compatibility/2006" xmlns:p14="http://schemas.microsoft.com/office/powerpoint/2010/main">
+    <mc:Choice Requires="p14">
       <p:transition spd="slow" p14:dur="2300">
         <p:wipe/>
       </p:transition>
     </mc:Choice>
-    <mc:Fallback>
+    <mc:Fallback xmlns="">
       <p:transition spd="slow">
         <p:wipe/>
       </p:transition>
@@ -2345,7 +2543,7 @@
             <a:pPr rtl="0"/>
             <a:fld id="{74758912-430E-46D1-BA95-7CF218A879F9}" type="datetime1">
               <a:rPr lang="es-ES" noProof="0" smtClean="0"/>
-              <a:t>06/06/2024</a:t>
+              <a:t>08/06/2024</a:t>
             </a:fld>
             <a:endParaRPr lang="es-ES" noProof="0" dirty="0"/>
           </a:p>
@@ -2405,13 +2603,13 @@
   <p:clrMapOvr>
     <a:masterClrMapping/>
   </p:clrMapOvr>
-  <mc:AlternateContent xmlns:mc="http://schemas.openxmlformats.org/markup-compatibility/2006">
-    <mc:Choice xmlns:p14="http://schemas.microsoft.com/office/powerpoint/2010/main" Requires="p14">
+  <mc:AlternateContent xmlns:mc="http://schemas.openxmlformats.org/markup-compatibility/2006" xmlns:p14="http://schemas.microsoft.com/office/powerpoint/2010/main">
+    <mc:Choice Requires="p14">
       <p:transition spd="slow" p14:dur="2300">
         <p:wipe/>
       </p:transition>
     </mc:Choice>
-    <mc:Fallback>
+    <mc:Fallback xmlns="">
       <p:transition spd="slow">
         <p:wipe/>
       </p:transition>
@@ -2555,7 +2753,7 @@
             <a:pPr rtl="0"/>
             <a:fld id="{83D604E1-623C-4365-B688-201238FB20C0}" type="datetime1">
               <a:rPr lang="es-ES" noProof="0" smtClean="0"/>
-              <a:t>06/06/2024</a:t>
+              <a:t>08/06/2024</a:t>
             </a:fld>
             <a:endParaRPr lang="es-ES" noProof="0" dirty="0"/>
           </a:p>
@@ -2615,13 +2813,13 @@
   <p:clrMapOvr>
     <a:masterClrMapping/>
   </p:clrMapOvr>
-  <mc:AlternateContent xmlns:mc="http://schemas.openxmlformats.org/markup-compatibility/2006">
-    <mc:Choice xmlns:p14="http://schemas.microsoft.com/office/powerpoint/2010/main" Requires="p14">
+  <mc:AlternateContent xmlns:mc="http://schemas.openxmlformats.org/markup-compatibility/2006" xmlns:p14="http://schemas.microsoft.com/office/powerpoint/2010/main">
+    <mc:Choice Requires="p14">
       <p:transition spd="slow" p14:dur="2300">
         <p:wipe/>
       </p:transition>
     </mc:Choice>
-    <mc:Fallback>
+    <mc:Fallback xmlns="">
       <p:transition spd="slow">
         <p:wipe/>
       </p:transition>
@@ -2834,7 +3032,7 @@
             <a:pPr rtl="0"/>
             <a:fld id="{86ADFC75-E87D-46C2-9102-15C11F0259DB}" type="datetime1">
               <a:rPr lang="es-ES" noProof="0" smtClean="0"/>
-              <a:t>06/06/2024</a:t>
+              <a:t>08/06/2024</a:t>
             </a:fld>
             <a:endParaRPr lang="es-ES" noProof="0" dirty="0"/>
           </a:p>
@@ -3138,13 +3336,13 @@
   <p:clrMapOvr>
     <a:masterClrMapping/>
   </p:clrMapOvr>
-  <mc:AlternateContent xmlns:mc="http://schemas.openxmlformats.org/markup-compatibility/2006">
-    <mc:Choice xmlns:p14="http://schemas.microsoft.com/office/powerpoint/2010/main" Requires="p14">
+  <mc:AlternateContent xmlns:mc="http://schemas.openxmlformats.org/markup-compatibility/2006" xmlns:p14="http://schemas.microsoft.com/office/powerpoint/2010/main">
+    <mc:Choice Requires="p14">
       <p:transition spd="slow" p14:dur="2300">
         <p:wipe/>
       </p:transition>
     </mc:Choice>
-    <mc:Fallback>
+    <mc:Fallback xmlns="">
       <p:transition spd="slow">
         <p:wipe/>
       </p:transition>
@@ -3286,7 +3484,7 @@
             <a:pPr rtl="0"/>
             <a:fld id="{12E54EC6-1219-49EE-8B80-3C24DE8E5A44}" type="datetime1">
               <a:rPr lang="es-ES" noProof="0" smtClean="0"/>
-              <a:t>06/06/2024</a:t>
+              <a:t>08/06/2024</a:t>
             </a:fld>
             <a:endParaRPr lang="es-ES" noProof="0" dirty="0"/>
           </a:p>
@@ -3346,13 +3544,13 @@
   <p:clrMapOvr>
     <a:masterClrMapping/>
   </p:clrMapOvr>
-  <mc:AlternateContent xmlns:mc="http://schemas.openxmlformats.org/markup-compatibility/2006">
-    <mc:Choice xmlns:p14="http://schemas.microsoft.com/office/powerpoint/2010/main" Requires="p14">
+  <mc:AlternateContent xmlns:mc="http://schemas.openxmlformats.org/markup-compatibility/2006" xmlns:p14="http://schemas.microsoft.com/office/powerpoint/2010/main">
+    <mc:Choice Requires="p14">
       <p:transition spd="slow" p14:dur="2300">
         <p:wipe/>
       </p:transition>
     </mc:Choice>
-    <mc:Fallback>
+    <mc:Fallback xmlns="">
       <p:transition spd="slow">
         <p:wipe/>
       </p:transition>
@@ -3839,7 +4037,7 @@
             <a:pPr rtl="0"/>
             <a:fld id="{B94DCC15-8F35-48A3-948F-896E04D77AE9}" type="datetime1">
               <a:rPr lang="es-ES" noProof="0" smtClean="0"/>
-              <a:t>06/06/2024</a:t>
+              <a:t>08/06/2024</a:t>
             </a:fld>
             <a:endParaRPr lang="es-ES" noProof="0" dirty="0"/>
           </a:p>
@@ -3899,13 +4097,13 @@
   <p:clrMapOvr>
     <a:masterClrMapping/>
   </p:clrMapOvr>
-  <mc:AlternateContent xmlns:mc="http://schemas.openxmlformats.org/markup-compatibility/2006">
-    <mc:Choice xmlns:p14="http://schemas.microsoft.com/office/powerpoint/2010/main" Requires="p14">
+  <mc:AlternateContent xmlns:mc="http://schemas.openxmlformats.org/markup-compatibility/2006" xmlns:p14="http://schemas.microsoft.com/office/powerpoint/2010/main">
+    <mc:Choice Requires="p14">
       <p:transition spd="slow" p14:dur="2300">
         <p:wipe/>
       </p:transition>
     </mc:Choice>
-    <mc:Fallback>
+    <mc:Fallback xmlns="">
       <p:transition spd="slow">
         <p:wipe/>
       </p:transition>
@@ -4740,7 +4938,7 @@
             <a:pPr rtl="0"/>
             <a:fld id="{3776F276-4198-468B-A622-B7B7E3766911}" type="datetime1">
               <a:rPr lang="es-ES" noProof="0" smtClean="0"/>
-              <a:t>06/06/2024</a:t>
+              <a:t>08/06/2024</a:t>
             </a:fld>
             <a:endParaRPr lang="es-ES" noProof="0" dirty="0"/>
           </a:p>
@@ -4800,13 +4998,13 @@
   <p:clrMapOvr>
     <a:masterClrMapping/>
   </p:clrMapOvr>
-  <mc:AlternateContent xmlns:mc="http://schemas.openxmlformats.org/markup-compatibility/2006">
-    <mc:Choice xmlns:p14="http://schemas.microsoft.com/office/powerpoint/2010/main" Requires="p14">
+  <mc:AlternateContent xmlns:mc="http://schemas.openxmlformats.org/markup-compatibility/2006" xmlns:p14="http://schemas.microsoft.com/office/powerpoint/2010/main">
+    <mc:Choice Requires="p14">
       <p:transition spd="slow" p14:dur="2300">
         <p:wipe/>
       </p:transition>
     </mc:Choice>
-    <mc:Fallback>
+    <mc:Fallback xmlns="">
       <p:transition spd="slow">
         <p:wipe/>
       </p:transition>
@@ -4926,7 +5124,7 @@
             <a:pPr rtl="0"/>
             <a:fld id="{FD5F9175-B10B-4641-995C-12E45A3F36CD}" type="datetime1">
               <a:rPr lang="es-ES" noProof="0" smtClean="0"/>
-              <a:t>06/06/2024</a:t>
+              <a:t>08/06/2024</a:t>
             </a:fld>
             <a:endParaRPr lang="es-ES" noProof="0" dirty="0"/>
           </a:p>
@@ -4986,13 +5184,13 @@
   <p:clrMapOvr>
     <a:masterClrMapping/>
   </p:clrMapOvr>
-  <mc:AlternateContent xmlns:mc="http://schemas.openxmlformats.org/markup-compatibility/2006">
-    <mc:Choice xmlns:p14="http://schemas.microsoft.com/office/powerpoint/2010/main" Requires="p14">
+  <mc:AlternateContent xmlns:mc="http://schemas.openxmlformats.org/markup-compatibility/2006" xmlns:p14="http://schemas.microsoft.com/office/powerpoint/2010/main">
+    <mc:Choice Requires="p14">
       <p:transition spd="slow" p14:dur="2300">
         <p:wipe/>
       </p:transition>
     </mc:Choice>
-    <mc:Fallback>
+    <mc:Fallback xmlns="">
       <p:transition spd="slow">
         <p:wipe/>
       </p:transition>
@@ -5186,7 +5384,7 @@
             <a:pPr rtl="0"/>
             <a:fld id="{84CEA549-D5CD-4EAF-92DD-F120BAE2B00B}" type="datetime1">
               <a:rPr lang="es-ES" noProof="0" smtClean="0"/>
-              <a:t>06/06/2024</a:t>
+              <a:t>08/06/2024</a:t>
             </a:fld>
             <a:endParaRPr lang="es-ES" noProof="0" dirty="0"/>
           </a:p>
@@ -5247,13 +5445,13 @@
   <p:clrMapOvr>
     <a:masterClrMapping/>
   </p:clrMapOvr>
-  <mc:AlternateContent xmlns:mc="http://schemas.openxmlformats.org/markup-compatibility/2006">
-    <mc:Choice xmlns:p14="http://schemas.microsoft.com/office/powerpoint/2010/main" Requires="p14">
+  <mc:AlternateContent xmlns:mc="http://schemas.openxmlformats.org/markup-compatibility/2006" xmlns:p14="http://schemas.microsoft.com/office/powerpoint/2010/main">
+    <mc:Choice Requires="p14">
       <p:transition spd="slow" p14:dur="2300">
         <p:wipe/>
       </p:transition>
     </mc:Choice>
-    <mc:Fallback>
+    <mc:Fallback xmlns="">
       <p:transition spd="slow">
         <p:wipe/>
       </p:transition>
@@ -5444,7 +5642,7 @@
             <a:pPr rtl="0"/>
             <a:fld id="{709D2F8E-7231-4034-8D2D-3DE6DA3442B3}" type="datetime1">
               <a:rPr lang="es-ES" noProof="0" smtClean="0"/>
-              <a:t>06/06/2024</a:t>
+              <a:t>08/06/2024</a:t>
             </a:fld>
             <a:endParaRPr lang="es-ES" noProof="0" dirty="0"/>
           </a:p>
@@ -5504,13 +5702,13 @@
   <p:clrMapOvr>
     <a:masterClrMapping/>
   </p:clrMapOvr>
-  <mc:AlternateContent xmlns:mc="http://schemas.openxmlformats.org/markup-compatibility/2006">
-    <mc:Choice xmlns:p14="http://schemas.microsoft.com/office/powerpoint/2010/main" Requires="p14">
+  <mc:AlternateContent xmlns:mc="http://schemas.openxmlformats.org/markup-compatibility/2006" xmlns:p14="http://schemas.microsoft.com/office/powerpoint/2010/main">
+    <mc:Choice Requires="p14">
       <p:transition spd="slow" p14:dur="2300">
         <p:wipe/>
       </p:transition>
     </mc:Choice>
-    <mc:Fallback>
+    <mc:Fallback xmlns="">
       <p:transition spd="slow">
         <p:wipe/>
       </p:transition>
@@ -5943,7 +6141,7 @@
             <a:pPr rtl="0"/>
             <a:fld id="{39E704EA-5CB1-494A-9524-E0FAE6BBE6C4}" type="datetime1">
               <a:rPr lang="es-ES" noProof="0" smtClean="0"/>
-              <a:t>06/06/2024</a:t>
+              <a:t>08/06/2024</a:t>
             </a:fld>
             <a:endParaRPr lang="es-ES" noProof="0" dirty="0"/>
           </a:p>
@@ -6003,13 +6201,13 @@
   <p:clrMapOvr>
     <a:masterClrMapping/>
   </p:clrMapOvr>
-  <mc:AlternateContent xmlns:mc="http://schemas.openxmlformats.org/markup-compatibility/2006">
-    <mc:Choice xmlns:p14="http://schemas.microsoft.com/office/powerpoint/2010/main" Requires="p14">
+  <mc:AlternateContent xmlns:mc="http://schemas.openxmlformats.org/markup-compatibility/2006" xmlns:p14="http://schemas.microsoft.com/office/powerpoint/2010/main">
+    <mc:Choice Requires="p14">
       <p:transition spd="slow" p14:dur="2300">
         <p:wipe/>
       </p:transition>
     </mc:Choice>
-    <mc:Fallback>
+    <mc:Fallback xmlns="">
       <p:transition spd="slow">
         <p:wipe/>
       </p:transition>
@@ -6077,7 +6275,7 @@
             <a:pPr rtl="0"/>
             <a:fld id="{EE842E49-C804-4EEC-9941-A438EC0B005D}" type="datetime1">
               <a:rPr lang="es-ES" noProof="0" smtClean="0"/>
-              <a:t>06/06/2024</a:t>
+              <a:t>08/06/2024</a:t>
             </a:fld>
             <a:endParaRPr lang="es-ES" noProof="0" dirty="0"/>
           </a:p>
@@ -6137,13 +6335,13 @@
   <p:clrMapOvr>
     <a:masterClrMapping/>
   </p:clrMapOvr>
-  <mc:AlternateContent xmlns:mc="http://schemas.openxmlformats.org/markup-compatibility/2006">
-    <mc:Choice xmlns:p14="http://schemas.microsoft.com/office/powerpoint/2010/main" Requires="p14">
+  <mc:AlternateContent xmlns:mc="http://schemas.openxmlformats.org/markup-compatibility/2006" xmlns:p14="http://schemas.microsoft.com/office/powerpoint/2010/main">
+    <mc:Choice Requires="p14">
       <p:transition spd="slow" p14:dur="2300">
         <p:wipe/>
       </p:transition>
     </mc:Choice>
-    <mc:Fallback>
+    <mc:Fallback xmlns="">
       <p:transition spd="slow">
         <p:wipe/>
       </p:transition>
@@ -6187,7 +6385,7 @@
             <a:pPr rtl="0"/>
             <a:fld id="{10CB7135-DC88-46C5-8577-B4652D9D518F}" type="datetime1">
               <a:rPr lang="es-ES" noProof="0" smtClean="0"/>
-              <a:t>06/06/2024</a:t>
+              <a:t>08/06/2024</a:t>
             </a:fld>
             <a:endParaRPr lang="es-ES" noProof="0" dirty="0"/>
           </a:p>
@@ -6247,13 +6445,13 @@
   <p:clrMapOvr>
     <a:masterClrMapping/>
   </p:clrMapOvr>
-  <mc:AlternateContent xmlns:mc="http://schemas.openxmlformats.org/markup-compatibility/2006">
-    <mc:Choice xmlns:p14="http://schemas.microsoft.com/office/powerpoint/2010/main" Requires="p14">
+  <mc:AlternateContent xmlns:mc="http://schemas.openxmlformats.org/markup-compatibility/2006" xmlns:p14="http://schemas.microsoft.com/office/powerpoint/2010/main">
+    <mc:Choice Requires="p14">
       <p:transition spd="slow" p14:dur="2300">
         <p:wipe/>
       </p:transition>
     </mc:Choice>
-    <mc:Fallback>
+    <mc:Fallback xmlns="">
       <p:transition spd="slow">
         <p:wipe/>
       </p:transition>
@@ -6458,7 +6656,7 @@
             <a:pPr rtl="0"/>
             <a:fld id="{DB0BDDAF-5FB4-4645-B812-33656A6F2B85}" type="datetime1">
               <a:rPr lang="es-ES" noProof="0" smtClean="0"/>
-              <a:t>06/06/2024</a:t>
+              <a:t>08/06/2024</a:t>
             </a:fld>
             <a:endParaRPr lang="es-ES" noProof="0" dirty="0"/>
           </a:p>
@@ -6519,13 +6717,13 @@
   <p:clrMapOvr>
     <a:masterClrMapping/>
   </p:clrMapOvr>
-  <mc:AlternateContent xmlns:mc="http://schemas.openxmlformats.org/markup-compatibility/2006">
-    <mc:Choice xmlns:p14="http://schemas.microsoft.com/office/powerpoint/2010/main" Requires="p14">
+  <mc:AlternateContent xmlns:mc="http://schemas.openxmlformats.org/markup-compatibility/2006" xmlns:p14="http://schemas.microsoft.com/office/powerpoint/2010/main">
+    <mc:Choice Requires="p14">
       <p:transition spd="slow" p14:dur="2300">
         <p:wipe/>
       </p:transition>
     </mc:Choice>
-    <mc:Fallback>
+    <mc:Fallback xmlns="">
       <p:transition spd="slow">
         <p:wipe/>
       </p:transition>
@@ -6782,7 +6980,7 @@
             <a:pPr rtl="0"/>
             <a:fld id="{C43182DB-EE2B-4FEC-B9F5-C787A05118D2}" type="datetime1">
               <a:rPr lang="es-ES" noProof="0" smtClean="0"/>
-              <a:t>06/06/2024</a:t>
+              <a:t>08/06/2024</a:t>
             </a:fld>
             <a:endParaRPr lang="es-ES" noProof="0" dirty="0"/>
           </a:p>
@@ -6842,13 +7040,13 @@
   <p:clrMapOvr>
     <a:masterClrMapping/>
   </p:clrMapOvr>
-  <mc:AlternateContent xmlns:mc="http://schemas.openxmlformats.org/markup-compatibility/2006">
-    <mc:Choice xmlns:p14="http://schemas.microsoft.com/office/powerpoint/2010/main" Requires="p14">
+  <mc:AlternateContent xmlns:mc="http://schemas.openxmlformats.org/markup-compatibility/2006" xmlns:p14="http://schemas.microsoft.com/office/powerpoint/2010/main">
+    <mc:Choice Requires="p14">
       <p:transition spd="slow" p14:dur="2300">
         <p:wipe/>
       </p:transition>
     </mc:Choice>
-    <mc:Fallback>
+    <mc:Fallback xmlns="">
       <p:transition spd="slow">
         <p:wipe/>
       </p:transition>
@@ -7058,7 +7256,7 @@
             <a:pPr rtl="0"/>
             <a:fld id="{7305C6AA-9D71-4080-8813-13E932244C60}" type="datetime1">
               <a:rPr lang="es-ES" noProof="0" smtClean="0"/>
-              <a:t>06/06/2024</a:t>
+              <a:t>08/06/2024</a:t>
             </a:fld>
             <a:endParaRPr lang="es-ES" noProof="0" dirty="0"/>
           </a:p>
@@ -7183,13 +7381,13 @@
     <p:sldLayoutId id="2147483674" r:id="rId14"/>
     <p:sldLayoutId id="2147483675" r:id="rId15"/>
   </p:sldLayoutIdLst>
-  <mc:AlternateContent xmlns:mc="http://schemas.openxmlformats.org/markup-compatibility/2006">
-    <mc:Choice xmlns:p14="http://schemas.microsoft.com/office/powerpoint/2010/main" Requires="p14">
+  <mc:AlternateContent xmlns:mc="http://schemas.openxmlformats.org/markup-compatibility/2006" xmlns:p14="http://schemas.microsoft.com/office/powerpoint/2010/main">
+    <mc:Choice Requires="p14">
       <p:transition spd="slow" p14:dur="2300">
         <p:wipe/>
       </p:transition>
     </mc:Choice>
-    <mc:Fallback>
+    <mc:Fallback xmlns="">
       <p:transition spd="slow">
         <p:wipe/>
       </p:transition>
@@ -7979,7 +8177,7 @@
           </a:effectLst>
           <a:extLst>
             <a:ext uri="{91240B29-F687-4f45-9708-019B960494DF}">
-              <a14:hiddenLine xmlns="" xmlns:a14="http://schemas.microsoft.com/office/drawing/2010/main" xmlns:a16="http://schemas.microsoft.com/office/drawing/2014/main" xmlns:p14="http://schemas.microsoft.com/office/powerpoint/2010/main" w="9525">
+              <a14:hiddenLine xmlns:p14="http://schemas.microsoft.com/office/powerpoint/2010/main" xmlns:a16="http://schemas.microsoft.com/office/drawing/2014/main" xmlns:a14="http://schemas.microsoft.com/office/drawing/2010/main" xmlns="" w="9525">
                 <a:solidFill>
                   <a:srgbClr val="000000"/>
                 </a:solidFill>
@@ -8133,13 +8331,13 @@
   <p:clrMapOvr>
     <a:masterClrMapping/>
   </p:clrMapOvr>
-  <mc:AlternateContent xmlns:mc="http://schemas.openxmlformats.org/markup-compatibility/2006">
-    <mc:Choice xmlns:p14="http://schemas.microsoft.com/office/powerpoint/2010/main" Requires="p14">
+  <mc:AlternateContent xmlns:mc="http://schemas.openxmlformats.org/markup-compatibility/2006" xmlns:p14="http://schemas.microsoft.com/office/powerpoint/2010/main">
+    <mc:Choice Requires="p14">
       <p:transition spd="slow" p14:dur="2300">
         <p:wipe/>
       </p:transition>
     </mc:Choice>
-    <mc:Fallback>
+    <mc:Fallback xmlns="">
       <p:transition spd="slow">
         <p:wipe/>
       </p:transition>
@@ -8272,7 +8470,1346 @@
 </p:sld>
 </file>
 
+<file path=ppt/slides/slide10.xml><?xml version="1.0" encoding="utf-8"?>
+<p:sld xmlns:a="http://schemas.openxmlformats.org/drawingml/2006/main" xmlns:r="http://schemas.openxmlformats.org/officeDocument/2006/relationships" xmlns:p="http://schemas.openxmlformats.org/presentationml/2006/main">
+  <p:cSld>
+    <p:spTree>
+      <p:nvGrpSpPr>
+        <p:cNvPr id="1" name=""/>
+        <p:cNvGrpSpPr/>
+        <p:nvPr/>
+      </p:nvGrpSpPr>
+      <p:grpSpPr>
+        <a:xfrm>
+          <a:off x="0" y="0"/>
+          <a:ext cx="0" cy="0"/>
+          <a:chOff x="0" y="0"/>
+          <a:chExt cx="0" cy="0"/>
+        </a:xfrm>
+      </p:grpSpPr>
+      <p:pic>
+        <p:nvPicPr>
+          <p:cNvPr id="5" name="Imagen 4">
+            <a:extLst>
+              <a:ext uri="{FF2B5EF4-FFF2-40B4-BE49-F238E27FC236}">
+                <a16:creationId xmlns:a16="http://schemas.microsoft.com/office/drawing/2014/main" id="{F8A1C807-B9AD-4C9B-BF9F-60F03428998E}"/>
+              </a:ext>
+              <a:ext uri="{C183D7F6-B498-43B3-948B-1728B52AA6E4}">
+                <adec:decorative xmlns:adec="http://schemas.microsoft.com/office/drawing/2017/decorative" val="1"/>
+              </a:ext>
+            </a:extLst>
+          </p:cNvPr>
+          <p:cNvPicPr>
+            <a:picLocks noChangeAspect="1"/>
+          </p:cNvPicPr>
+          <p:nvPr/>
+        </p:nvPicPr>
+        <p:blipFill rotWithShape="1">
+          <a:blip r:embed="rId4">
+            <a:extLst>
+              <a:ext uri="{28A0092B-C50C-407E-A947-70E740481C1C}">
+                <a14:useLocalDpi xmlns:a14="http://schemas.microsoft.com/office/drawing/2010/main" val="0"/>
+              </a:ext>
+            </a:extLst>
+          </a:blip>
+          <a:srcRect/>
+          <a:stretch/>
+        </p:blipFill>
+        <p:spPr>
+          <a:xfrm>
+            <a:off x="0" y="7196"/>
+            <a:ext cx="12192001" cy="6857990"/>
+          </a:xfrm>
+          <a:prstGeom prst="rect">
+            <a:avLst/>
+          </a:prstGeom>
+          <a:ln>
+            <a:noFill/>
+          </a:ln>
+          <a:effectLst>
+            <a:outerShdw blurRad="292100" dist="139700" dir="2700000" algn="tl" rotWithShape="0">
+              <a:srgbClr val="333333">
+                <a:alpha val="65000"/>
+              </a:srgbClr>
+            </a:outerShdw>
+          </a:effectLst>
+        </p:spPr>
+      </p:pic>
+      <p:sp useBgFill="1">
+        <p:nvSpPr>
+          <p:cNvPr id="103" name="Forma libre 5">
+            <a:extLst>
+              <a:ext uri="{FF2B5EF4-FFF2-40B4-BE49-F238E27FC236}">
+                <a16:creationId xmlns:a16="http://schemas.microsoft.com/office/drawing/2014/main" id="{FE469E50-3893-4ED6-92BA-2985C32B0CA6}"/>
+              </a:ext>
+              <a:ext uri="{C183D7F6-B498-43B3-948B-1728B52AA6E4}">
+                <adec:decorative xmlns:adec="http://schemas.microsoft.com/office/drawing/2017/decorative" val="1"/>
+              </a:ext>
+            </a:extLst>
+          </p:cNvPr>
+          <p:cNvSpPr>
+            <a:spLocks noGrp="1" noRot="1" noChangeAspect="1" noMove="1" noResize="1" noEditPoints="1" noAdjustHandles="1" noChangeArrowheads="1" noChangeShapeType="1" noTextEdit="1"/>
+          </p:cNvSpPr>
+          <p:nvPr>
+            <p:extLst>
+              <p:ext uri="{386F3935-93C4-4BCD-93E2-E3B085C9AB24}">
+                <p16:designElem xmlns:p16="http://schemas.microsoft.com/office/powerpoint/2015/main" val="1"/>
+              </p:ext>
+            </p:extLst>
+          </p:nvPr>
+        </p:nvSpPr>
+        <p:spPr bwMode="auto">
+          <a:xfrm rot="5400000">
+            <a:off x="7131809" y="1385982"/>
+            <a:ext cx="4031414" cy="4100418"/>
+          </a:xfrm>
+          <a:custGeom>
+            <a:avLst/>
+            <a:gdLst>
+              <a:gd name="T0" fmla="*/ 1577 w 1601"/>
+              <a:gd name="T1" fmla="*/ 0 h 696"/>
+              <a:gd name="T2" fmla="*/ 833 w 1601"/>
+              <a:gd name="T3" fmla="*/ 0 h 696"/>
+              <a:gd name="T4" fmla="*/ 768 w 1601"/>
+              <a:gd name="T5" fmla="*/ 0 h 696"/>
+              <a:gd name="T6" fmla="*/ 24 w 1601"/>
+              <a:gd name="T7" fmla="*/ 0 h 696"/>
+              <a:gd name="T8" fmla="*/ 0 w 1601"/>
+              <a:gd name="T9" fmla="*/ 27 h 696"/>
+              <a:gd name="T10" fmla="*/ 0 w 1601"/>
+              <a:gd name="T11" fmla="*/ 669 h 696"/>
+              <a:gd name="T12" fmla="*/ 24 w 1601"/>
+              <a:gd name="T13" fmla="*/ 696 h 696"/>
+              <a:gd name="T14" fmla="*/ 768 w 1601"/>
+              <a:gd name="T15" fmla="*/ 696 h 696"/>
+              <a:gd name="T16" fmla="*/ 833 w 1601"/>
+              <a:gd name="T17" fmla="*/ 696 h 696"/>
+              <a:gd name="T18" fmla="*/ 1577 w 1601"/>
+              <a:gd name="T19" fmla="*/ 696 h 696"/>
+              <a:gd name="T20" fmla="*/ 1601 w 1601"/>
+              <a:gd name="T21" fmla="*/ 669 h 696"/>
+              <a:gd name="T22" fmla="*/ 1601 w 1601"/>
+              <a:gd name="T23" fmla="*/ 27 h 696"/>
+              <a:gd name="T24" fmla="*/ 1577 w 1601"/>
+              <a:gd name="T25" fmla="*/ 0 h 696"/>
+            </a:gdLst>
+            <a:ahLst/>
+            <a:cxnLst>
+              <a:cxn ang="0">
+                <a:pos x="T0" y="T1"/>
+              </a:cxn>
+              <a:cxn ang="0">
+                <a:pos x="T2" y="T3"/>
+              </a:cxn>
+              <a:cxn ang="0">
+                <a:pos x="T4" y="T5"/>
+              </a:cxn>
+              <a:cxn ang="0">
+                <a:pos x="T6" y="T7"/>
+              </a:cxn>
+              <a:cxn ang="0">
+                <a:pos x="T8" y="T9"/>
+              </a:cxn>
+              <a:cxn ang="0">
+                <a:pos x="T10" y="T11"/>
+              </a:cxn>
+              <a:cxn ang="0">
+                <a:pos x="T12" y="T13"/>
+              </a:cxn>
+              <a:cxn ang="0">
+                <a:pos x="T14" y="T15"/>
+              </a:cxn>
+              <a:cxn ang="0">
+                <a:pos x="T16" y="T17"/>
+              </a:cxn>
+              <a:cxn ang="0">
+                <a:pos x="T18" y="T19"/>
+              </a:cxn>
+              <a:cxn ang="0">
+                <a:pos x="T20" y="T21"/>
+              </a:cxn>
+              <a:cxn ang="0">
+                <a:pos x="T22" y="T23"/>
+              </a:cxn>
+              <a:cxn ang="0">
+                <a:pos x="T24" y="T25"/>
+              </a:cxn>
+            </a:cxnLst>
+            <a:rect l="0" t="0" r="r" b="b"/>
+            <a:pathLst>
+              <a:path w="1601" h="696">
+                <a:moveTo>
+                  <a:pt x="1577" y="0"/>
+                </a:moveTo>
+                <a:cubicBezTo>
+                  <a:pt x="833" y="0"/>
+                  <a:pt x="833" y="0"/>
+                  <a:pt x="833" y="0"/>
+                </a:cubicBezTo>
+                <a:cubicBezTo>
+                  <a:pt x="768" y="0"/>
+                  <a:pt x="768" y="0"/>
+                  <a:pt x="768" y="0"/>
+                </a:cubicBezTo>
+                <a:cubicBezTo>
+                  <a:pt x="24" y="0"/>
+                  <a:pt x="24" y="0"/>
+                  <a:pt x="24" y="0"/>
+                </a:cubicBezTo>
+                <a:cubicBezTo>
+                  <a:pt x="11" y="0"/>
+                  <a:pt x="0" y="12"/>
+                  <a:pt x="0" y="27"/>
+                </a:cubicBezTo>
+                <a:cubicBezTo>
+                  <a:pt x="0" y="669"/>
+                  <a:pt x="0" y="669"/>
+                  <a:pt x="0" y="669"/>
+                </a:cubicBezTo>
+                <a:cubicBezTo>
+                  <a:pt x="0" y="684"/>
+                  <a:pt x="11" y="696"/>
+                  <a:pt x="24" y="696"/>
+                </a:cubicBezTo>
+                <a:cubicBezTo>
+                  <a:pt x="768" y="696"/>
+                  <a:pt x="768" y="696"/>
+                  <a:pt x="768" y="696"/>
+                </a:cubicBezTo>
+                <a:cubicBezTo>
+                  <a:pt x="833" y="696"/>
+                  <a:pt x="833" y="696"/>
+                  <a:pt x="833" y="696"/>
+                </a:cubicBezTo>
+                <a:cubicBezTo>
+                  <a:pt x="1577" y="696"/>
+                  <a:pt x="1577" y="696"/>
+                  <a:pt x="1577" y="696"/>
+                </a:cubicBezTo>
+                <a:cubicBezTo>
+                  <a:pt x="1590" y="696"/>
+                  <a:pt x="1601" y="684"/>
+                  <a:pt x="1601" y="669"/>
+                </a:cubicBezTo>
+                <a:cubicBezTo>
+                  <a:pt x="1601" y="27"/>
+                  <a:pt x="1601" y="27"/>
+                  <a:pt x="1601" y="27"/>
+                </a:cubicBezTo>
+                <a:cubicBezTo>
+                  <a:pt x="1601" y="12"/>
+                  <a:pt x="1590" y="0"/>
+                  <a:pt x="1577" y="0"/>
+                </a:cubicBezTo>
+                <a:close/>
+              </a:path>
+            </a:pathLst>
+          </a:custGeom>
+          <a:ln>
+            <a:noFill/>
+          </a:ln>
+          <a:effectLst>
+            <a:outerShdw blurRad="50800" dist="38100" dir="5400000" algn="tl" rotWithShape="0">
+              <a:srgbClr val="000000">
+                <a:alpha val="43000"/>
+              </a:srgbClr>
+            </a:outerShdw>
+          </a:effectLst>
+          <a:extLst>
+            <a:ext uri="{91240B29-F687-4f45-9708-019B960494DF}">
+              <a14:hiddenLine xmlns="" xmlns:a14="http://schemas.microsoft.com/office/drawing/2010/main" xmlns:a16="http://schemas.microsoft.com/office/drawing/2014/main" xmlns:p14="http://schemas.microsoft.com/office/powerpoint/2010/main" w="9525">
+                <a:solidFill>
+                  <a:srgbClr val="000000"/>
+                </a:solidFill>
+                <a:round/>
+                <a:headEnd/>
+                <a:tailEnd/>
+              </a14:hiddenLine>
+            </a:ext>
+          </a:extLst>
+        </p:spPr>
+        <p:txBody>
+          <a:bodyPr vert="horz" wrap="square" lIns="91440" tIns="45720" rIns="91440" bIns="45720" numCol="1" rtlCol="0" anchor="t" anchorCtr="0" compatLnSpc="1">
+            <a:prstTxWarp prst="textNoShape">
+              <a:avLst/>
+            </a:prstTxWarp>
+          </a:bodyPr>
+          <a:lstStyle/>
+          <a:p>
+            <a:pPr marL="0" marR="0" lvl="0" indent="0" algn="l" defTabSz="914400" rtl="0" eaLnBrk="1" fontAlgn="auto" latinLnBrk="0" hangingPunct="1">
+              <a:lnSpc>
+                <a:spcPct val="100000"/>
+              </a:lnSpc>
+              <a:spcBef>
+                <a:spcPts val="0"/>
+              </a:spcBef>
+              <a:spcAft>
+                <a:spcPts val="0"/>
+              </a:spcAft>
+              <a:buClrTx/>
+              <a:buSzTx/>
+              <a:buFontTx/>
+              <a:buNone/>
+              <a:tabLst/>
+              <a:defRPr/>
+            </a:pPr>
+            <a:endParaRPr kumimoji="0" lang="es-ES" sz="1800" b="0" i="0" u="none" strike="noStrike" kern="1200" cap="none" spc="0" normalizeH="0" baseline="0" dirty="0">
+              <a:ln>
+                <a:noFill/>
+              </a:ln>
+              <a:solidFill>
+                <a:prstClr val="white"/>
+              </a:solidFill>
+              <a:effectLst/>
+              <a:uLnTx/>
+              <a:uFillTx/>
+              <a:latin typeface="Goudy Old Style"/>
+              <a:ea typeface="+mn-ea"/>
+              <a:cs typeface="+mn-cs"/>
+            </a:endParaRPr>
+          </a:p>
+        </p:txBody>
+      </p:sp>
+      <p:sp>
+        <p:nvSpPr>
+          <p:cNvPr id="2" name="Título 1">
+            <a:extLst>
+              <a:ext uri="{FF2B5EF4-FFF2-40B4-BE49-F238E27FC236}">
+                <a16:creationId xmlns:a16="http://schemas.microsoft.com/office/drawing/2014/main" id="{0D1F047C-C727-42A7-85C5-68C5AA1B1A93}"/>
+              </a:ext>
+            </a:extLst>
+          </p:cNvPr>
+          <p:cNvSpPr>
+            <a:spLocks noGrp="1"/>
+          </p:cNvSpPr>
+          <p:nvPr>
+            <p:ph type="ctrTitle"/>
+          </p:nvPr>
+        </p:nvSpPr>
+        <p:spPr>
+          <a:xfrm>
+            <a:off x="8159649" y="2964896"/>
+            <a:ext cx="3535213" cy="665028"/>
+          </a:xfrm>
+          <a:noFill/>
+        </p:spPr>
+        <p:txBody>
+          <a:bodyPr rtlCol="0">
+            <a:noAutofit/>
+          </a:bodyPr>
+          <a:lstStyle/>
+          <a:p>
+            <a:pPr algn="l"/>
+            <a:r>
+              <a:rPr lang="es-ES" sz="6600" b="1" dirty="0">
+                <a:ln w="9525">
+                  <a:solidFill>
+                    <a:schemeClr val="bg1"/>
+                  </a:solidFill>
+                  <a:prstDash val="solid"/>
+                </a:ln>
+                <a:solidFill>
+                  <a:schemeClr val="tx1"/>
+                </a:solidFill>
+                <a:effectLst>
+                  <a:outerShdw blurRad="12700" dist="38100" dir="2700000" algn="tl" rotWithShape="0">
+                    <a:schemeClr val="bg1">
+                      <a:lumMod val="50000"/>
+                    </a:schemeClr>
+                  </a:outerShdw>
+                </a:effectLst>
+                <a:latin typeface="Cascadia Code" panose="020B0609020000020004" pitchFamily="49" charset="0"/>
+                <a:cs typeface="Cascadia Code" panose="020B0609020000020004" pitchFamily="49" charset="0"/>
+              </a:rPr>
+              <a:t>Fin</a:t>
+            </a:r>
+          </a:p>
+        </p:txBody>
+      </p:sp>
+      <p:sp>
+        <p:nvSpPr>
+          <p:cNvPr id="7" name="CuadroTexto 6">
+            <a:extLst>
+              <a:ext uri="{FF2B5EF4-FFF2-40B4-BE49-F238E27FC236}">
+                <a16:creationId xmlns:a16="http://schemas.microsoft.com/office/drawing/2014/main" id="{C29D185B-402B-7210-AED7-59922E4BE793}"/>
+              </a:ext>
+            </a:extLst>
+          </p:cNvPr>
+          <p:cNvSpPr txBox="1"/>
+          <p:nvPr/>
+        </p:nvSpPr>
+        <p:spPr>
+          <a:xfrm>
+            <a:off x="7234988" y="4938643"/>
+            <a:ext cx="4680787" cy="400110"/>
+          </a:xfrm>
+          <a:prstGeom prst="rect">
+            <a:avLst/>
+          </a:prstGeom>
+          <a:noFill/>
+        </p:spPr>
+        <p:txBody>
+          <a:bodyPr wrap="square" rtlCol="0">
+            <a:spAutoFit/>
+          </a:bodyPr>
+          <a:lstStyle/>
+          <a:p>
+            <a:r>
+              <a:rPr lang="es-ES" sz="2000" b="1" dirty="0">
+                <a:ln w="13462">
+                  <a:solidFill>
+                    <a:schemeClr val="bg1"/>
+                  </a:solidFill>
+                  <a:prstDash val="solid"/>
+                </a:ln>
+                <a:solidFill>
+                  <a:schemeClr val="tx1">
+                    <a:lumMod val="85000"/>
+                    <a:lumOff val="15000"/>
+                  </a:schemeClr>
+                </a:solidFill>
+                <a:effectLst>
+                  <a:outerShdw dist="38100" dir="2700000" algn="bl" rotWithShape="0">
+                    <a:schemeClr val="accent5"/>
+                  </a:outerShdw>
+                </a:effectLst>
+                <a:latin typeface="Cascadia Code" panose="020B0609020000020004" pitchFamily="49" charset="0"/>
+                <a:cs typeface="Cascadia Code" panose="020B0609020000020004" pitchFamily="49" charset="0"/>
+              </a:rPr>
+              <a:t>Cristóbal Alcalá Cazorla</a:t>
+            </a:r>
+          </a:p>
+        </p:txBody>
+      </p:sp>
+      <p:pic>
+        <p:nvPicPr>
+          <p:cNvPr id="8" name="Imagen 7" descr="Imagen que contiene tijeras, interior, taza, tabla&#10;&#10;Descripción generada automáticamente">
+            <a:extLst>
+              <a:ext uri="{FF2B5EF4-FFF2-40B4-BE49-F238E27FC236}">
+                <a16:creationId xmlns:a16="http://schemas.microsoft.com/office/drawing/2014/main" id="{2FC15273-25EB-D0F4-5980-3B84C14F9E6D}"/>
+              </a:ext>
+            </a:extLst>
+          </p:cNvPr>
+          <p:cNvPicPr>
+            <a:picLocks noChangeAspect="1"/>
+          </p:cNvPicPr>
+          <p:nvPr/>
+        </p:nvPicPr>
+        <p:blipFill>
+          <a:blip r:embed="rId5"/>
+          <a:stretch>
+            <a:fillRect/>
+          </a:stretch>
+        </p:blipFill>
+        <p:spPr>
+          <a:xfrm>
+            <a:off x="-1353909" y="101954"/>
+            <a:ext cx="6343650" cy="3571875"/>
+          </a:xfrm>
+          <a:prstGeom prst="rect">
+            <a:avLst/>
+          </a:prstGeom>
+          <a:ln>
+            <a:noFill/>
+          </a:ln>
+          <a:effectLst>
+            <a:outerShdw blurRad="190500" algn="tl" rotWithShape="0">
+              <a:srgbClr val="000000">
+                <a:alpha val="70000"/>
+              </a:srgbClr>
+            </a:outerShdw>
+          </a:effectLst>
+        </p:spPr>
+      </p:pic>
+      <p:pic>
+        <p:nvPicPr>
+          <p:cNvPr id="10" name="Gráfico 9">
+            <a:extLst>
+              <a:ext uri="{FF2B5EF4-FFF2-40B4-BE49-F238E27FC236}">
+                <a16:creationId xmlns:a16="http://schemas.microsoft.com/office/drawing/2014/main" id="{AAFFD519-605B-FBC3-0C30-D7E1967333BC}"/>
+              </a:ext>
+            </a:extLst>
+          </p:cNvPr>
+          <p:cNvPicPr>
+            <a:picLocks noChangeAspect="1"/>
+          </p:cNvPicPr>
+          <p:nvPr/>
+        </p:nvPicPr>
+        <p:blipFill>
+          <a:blip r:embed="rId6">
+            <a:extLst>
+              <a:ext uri="{96DAC541-7B7A-43D3-8B79-37D633B846F1}">
+                <asvg:svgBlip xmlns:asvg="http://schemas.microsoft.com/office/drawing/2016/SVG/main" r:embed="rId7"/>
+              </a:ext>
+            </a:extLst>
+          </a:blip>
+          <a:stretch>
+            <a:fillRect/>
+          </a:stretch>
+        </p:blipFill>
+        <p:spPr>
+          <a:xfrm rot="533260">
+            <a:off x="2219225" y="3674569"/>
+            <a:ext cx="2658857" cy="2928257"/>
+          </a:xfrm>
+          <a:prstGeom prst="rect">
+            <a:avLst/>
+          </a:prstGeom>
+          <a:effectLst>
+            <a:outerShdw blurRad="292100" dist="139700" dir="2700000" algn="tl" rotWithShape="0">
+              <a:srgbClr val="333333">
+                <a:alpha val="65000"/>
+              </a:srgbClr>
+            </a:outerShdw>
+          </a:effectLst>
+        </p:spPr>
+      </p:pic>
+    </p:spTree>
+    <p:extLst>
+      <p:ext uri="{BB962C8B-B14F-4D97-AF65-F5344CB8AC3E}">
+        <p14:creationId xmlns:p14="http://schemas.microsoft.com/office/powerpoint/2010/main" val="3746983897"/>
+      </p:ext>
+    </p:extLst>
+  </p:cSld>
+  <p:clrMapOvr>
+    <a:masterClrMapping/>
+  </p:clrMapOvr>
+  <mc:AlternateContent xmlns:mc="http://schemas.openxmlformats.org/markup-compatibility/2006" xmlns:p14="http://schemas.microsoft.com/office/powerpoint/2010/main">
+    <mc:Choice Requires="p14">
+      <p:transition spd="slow" p14:dur="2300">
+        <p:wipe/>
+      </p:transition>
+    </mc:Choice>
+    <mc:Fallback xmlns="">
+      <p:transition spd="slow">
+        <p:wipe/>
+      </p:transition>
+    </mc:Fallback>
+  </mc:AlternateContent>
+  <p:timing>
+    <p:tnLst>
+      <p:par>
+        <p:cTn id="1" dur="indefinite" restart="never" nodeType="tmRoot">
+          <p:childTnLst>
+            <p:seq concurrent="1" nextAc="seek">
+              <p:cTn id="2" dur="indefinite" nodeType="mainSeq">
+                <p:childTnLst>
+                  <p:par>
+                    <p:cTn id="3" fill="hold">
+                      <p:stCondLst>
+                        <p:cond delay="indefinite"/>
+                        <p:cond evt="onBegin" delay="0">
+                          <p:tn val="2"/>
+                        </p:cond>
+                      </p:stCondLst>
+                      <p:childTnLst>
+                        <p:par>
+                          <p:cTn id="4" fill="hold">
+                            <p:stCondLst>
+                              <p:cond delay="0"/>
+                            </p:stCondLst>
+                            <p:childTnLst>
+                              <p:par>
+                                <p:cTn id="5" presetID="22" presetClass="entr" presetSubtype="4" fill="hold" grpId="0" nodeType="afterEffect">
+                                  <p:stCondLst>
+                                    <p:cond delay="0"/>
+                                  </p:stCondLst>
+                                  <p:childTnLst>
+                                    <p:set>
+                                      <p:cBhvr>
+                                        <p:cTn id="6" dur="1" fill="hold">
+                                          <p:stCondLst>
+                                            <p:cond delay="0"/>
+                                          </p:stCondLst>
+                                        </p:cTn>
+                                        <p:tgtEl>
+                                          <p:spTgt spid="2"/>
+                                        </p:tgtEl>
+                                        <p:attrNameLst>
+                                          <p:attrName>style.visibility</p:attrName>
+                                        </p:attrNameLst>
+                                      </p:cBhvr>
+                                      <p:to>
+                                        <p:strVal val="visible"/>
+                                      </p:to>
+                                    </p:set>
+                                    <p:animEffect transition="in" filter="wipe(down)">
+                                      <p:cBhvr>
+                                        <p:cTn id="7" dur="750"/>
+                                        <p:tgtEl>
+                                          <p:spTgt spid="2"/>
+                                        </p:tgtEl>
+                                      </p:cBhvr>
+                                    </p:animEffect>
+                                  </p:childTnLst>
+                                </p:cTn>
+                              </p:par>
+                              <p:par>
+                                <p:cTn id="8" presetID="16" presetClass="entr" presetSubtype="21" fill="hold" grpId="0" nodeType="withEffect">
+                                  <p:stCondLst>
+                                    <p:cond delay="0"/>
+                                  </p:stCondLst>
+                                  <p:childTnLst>
+                                    <p:set>
+                                      <p:cBhvr>
+                                        <p:cTn id="9" dur="1" fill="hold">
+                                          <p:stCondLst>
+                                            <p:cond delay="0"/>
+                                          </p:stCondLst>
+                                        </p:cTn>
+                                        <p:tgtEl>
+                                          <p:spTgt spid="7"/>
+                                        </p:tgtEl>
+                                        <p:attrNameLst>
+                                          <p:attrName>style.visibility</p:attrName>
+                                        </p:attrNameLst>
+                                      </p:cBhvr>
+                                      <p:to>
+                                        <p:strVal val="visible"/>
+                                      </p:to>
+                                    </p:set>
+                                    <p:animEffect transition="in" filter="barn(inVertical)">
+                                      <p:cBhvr>
+                                        <p:cTn id="10" dur="750"/>
+                                        <p:tgtEl>
+                                          <p:spTgt spid="7"/>
+                                        </p:tgtEl>
+                                      </p:cBhvr>
+                                    </p:animEffect>
+                                  </p:childTnLst>
+                                </p:cTn>
+                              </p:par>
+                            </p:childTnLst>
+                          </p:cTn>
+                        </p:par>
+                        <p:par>
+                          <p:cTn id="11" fill="hold">
+                            <p:stCondLst>
+                              <p:cond delay="750"/>
+                            </p:stCondLst>
+                            <p:childTnLst>
+                              <p:par>
+                                <p:cTn id="12" presetID="21" presetClass="entr" presetSubtype="1" fill="hold" nodeType="afterEffect">
+                                  <p:stCondLst>
+                                    <p:cond delay="0"/>
+                                  </p:stCondLst>
+                                  <p:childTnLst>
+                                    <p:set>
+                                      <p:cBhvr>
+                                        <p:cTn id="13" dur="1" fill="hold">
+                                          <p:stCondLst>
+                                            <p:cond delay="0"/>
+                                          </p:stCondLst>
+                                        </p:cTn>
+                                        <p:tgtEl>
+                                          <p:spTgt spid="8"/>
+                                        </p:tgtEl>
+                                        <p:attrNameLst>
+                                          <p:attrName>style.visibility</p:attrName>
+                                        </p:attrNameLst>
+                                      </p:cBhvr>
+                                      <p:to>
+                                        <p:strVal val="visible"/>
+                                      </p:to>
+                                    </p:set>
+                                    <p:animEffect transition="in" filter="wheel(1)">
+                                      <p:cBhvr>
+                                        <p:cTn id="14" dur="1000"/>
+                                        <p:tgtEl>
+                                          <p:spTgt spid="8"/>
+                                        </p:tgtEl>
+                                      </p:cBhvr>
+                                    </p:animEffect>
+                                  </p:childTnLst>
+                                </p:cTn>
+                              </p:par>
+                            </p:childTnLst>
+                          </p:cTn>
+                        </p:par>
+                        <p:par>
+                          <p:cTn id="15" fill="hold">
+                            <p:stCondLst>
+                              <p:cond delay="1750"/>
+                            </p:stCondLst>
+                            <p:childTnLst>
+                              <p:par>
+                                <p:cTn id="16" presetID="21" presetClass="entr" presetSubtype="1" fill="hold" nodeType="afterEffect">
+                                  <p:stCondLst>
+                                    <p:cond delay="0"/>
+                                  </p:stCondLst>
+                                  <p:childTnLst>
+                                    <p:set>
+                                      <p:cBhvr>
+                                        <p:cTn id="17" dur="1" fill="hold">
+                                          <p:stCondLst>
+                                            <p:cond delay="0"/>
+                                          </p:stCondLst>
+                                        </p:cTn>
+                                        <p:tgtEl>
+                                          <p:spTgt spid="10"/>
+                                        </p:tgtEl>
+                                        <p:attrNameLst>
+                                          <p:attrName>style.visibility</p:attrName>
+                                        </p:attrNameLst>
+                                      </p:cBhvr>
+                                      <p:to>
+                                        <p:strVal val="visible"/>
+                                      </p:to>
+                                    </p:set>
+                                    <p:animEffect transition="in" filter="wheel(1)">
+                                      <p:cBhvr>
+                                        <p:cTn id="18" dur="1000"/>
+                                        <p:tgtEl>
+                                          <p:spTgt spid="10"/>
+                                        </p:tgtEl>
+                                      </p:cBhvr>
+                                    </p:animEffect>
+                                  </p:childTnLst>
+                                </p:cTn>
+                              </p:par>
+                            </p:childTnLst>
+                          </p:cTn>
+                        </p:par>
+                      </p:childTnLst>
+                    </p:cTn>
+                  </p:par>
+                </p:childTnLst>
+              </p:cTn>
+              <p:prevCondLst>
+                <p:cond evt="onPrev" delay="0">
+                  <p:tgtEl>
+                    <p:sldTgt/>
+                  </p:tgtEl>
+                </p:cond>
+              </p:prevCondLst>
+              <p:nextCondLst>
+                <p:cond evt="onNext" delay="0">
+                  <p:tgtEl>
+                    <p:sldTgt/>
+                  </p:tgtEl>
+                </p:cond>
+              </p:nextCondLst>
+            </p:seq>
+          </p:childTnLst>
+        </p:cTn>
+      </p:par>
+    </p:tnLst>
+    <p:bldLst>
+      <p:bldP spid="2" grpId="0"/>
+      <p:bldP spid="7" grpId="0"/>
+    </p:bldLst>
+  </p:timing>
+</p:sld>
+</file>
+
 <file path=ppt/slides/slide2.xml><?xml version="1.0" encoding="utf-8"?>
+<p:sld xmlns:a="http://schemas.openxmlformats.org/drawingml/2006/main" xmlns:r="http://schemas.openxmlformats.org/officeDocument/2006/relationships" xmlns:p="http://schemas.openxmlformats.org/presentationml/2006/main">
+  <p:cSld>
+    <p:spTree>
+      <p:nvGrpSpPr>
+        <p:cNvPr id="1" name=""/>
+        <p:cNvGrpSpPr/>
+        <p:nvPr/>
+      </p:nvGrpSpPr>
+      <p:grpSpPr>
+        <a:xfrm>
+          <a:off x="0" y="0"/>
+          <a:ext cx="0" cy="0"/>
+          <a:chOff x="0" y="0"/>
+          <a:chExt cx="0" cy="0"/>
+        </a:xfrm>
+      </p:grpSpPr>
+      <p:sp>
+        <p:nvSpPr>
+          <p:cNvPr id="8" name="Título 7">
+            <a:extLst>
+              <a:ext uri="{FF2B5EF4-FFF2-40B4-BE49-F238E27FC236}">
+                <a16:creationId xmlns:a16="http://schemas.microsoft.com/office/drawing/2014/main" id="{F08AF0F7-3AE8-4FAC-84E3-731950EDBE0A}"/>
+              </a:ext>
+            </a:extLst>
+          </p:cNvPr>
+          <p:cNvSpPr>
+            <a:spLocks noGrp="1"/>
+          </p:cNvSpPr>
+          <p:nvPr>
+            <p:ph type="title"/>
+          </p:nvPr>
+        </p:nvSpPr>
+        <p:spPr>
+          <a:xfrm>
+            <a:off x="913795" y="314325"/>
+            <a:ext cx="10353762" cy="1257300"/>
+          </a:xfrm>
+        </p:spPr>
+        <p:txBody>
+          <a:bodyPr>
+            <a:normAutofit/>
+          </a:bodyPr>
+          <a:lstStyle/>
+          <a:p>
+            <a:r>
+              <a:rPr lang="es-ES" sz="5400" b="1" dirty="0">
+                <a:ln w="9525">
+                  <a:solidFill>
+                    <a:schemeClr val="bg1"/>
+                  </a:solidFill>
+                  <a:prstDash val="solid"/>
+                </a:ln>
+                <a:solidFill>
+                  <a:schemeClr val="tx1"/>
+                </a:solidFill>
+                <a:effectLst>
+                  <a:outerShdw blurRad="12700" dist="38100" dir="2700000" algn="tl" rotWithShape="0">
+                    <a:schemeClr val="bg1">
+                      <a:lumMod val="50000"/>
+                    </a:schemeClr>
+                  </a:outerShdw>
+                </a:effectLst>
+                <a:latin typeface="Cascadia Code" panose="020B0609020000020004" pitchFamily="49" charset="0"/>
+                <a:cs typeface="Cascadia Code" panose="020B0609020000020004" pitchFamily="49" charset="0"/>
+              </a:rPr>
+              <a:t>Índice</a:t>
+            </a:r>
+          </a:p>
+        </p:txBody>
+      </p:sp>
+      <p:sp>
+        <p:nvSpPr>
+          <p:cNvPr id="9" name="Marcador de contenido 8">
+            <a:extLst>
+              <a:ext uri="{FF2B5EF4-FFF2-40B4-BE49-F238E27FC236}">
+                <a16:creationId xmlns:a16="http://schemas.microsoft.com/office/drawing/2014/main" id="{022FA8D1-4BD5-9F7B-FB24-6F479DBBE611}"/>
+              </a:ext>
+            </a:extLst>
+          </p:cNvPr>
+          <p:cNvSpPr>
+            <a:spLocks noGrp="1"/>
+          </p:cNvSpPr>
+          <p:nvPr>
+            <p:ph idx="1"/>
+          </p:nvPr>
+        </p:nvSpPr>
+        <p:spPr>
+          <a:xfrm>
+            <a:off x="1170970" y="2057400"/>
+            <a:ext cx="10353762" cy="3714749"/>
+          </a:xfrm>
+        </p:spPr>
+        <p:txBody>
+          <a:bodyPr>
+            <a:noAutofit/>
+          </a:bodyPr>
+          <a:lstStyle/>
+          <a:p>
+            <a:pPr marL="907200" lvl="1" indent="-457200">
+              <a:buFont typeface="+mj-lt"/>
+              <a:buAutoNum type="arabicPeriod"/>
+            </a:pPr>
+            <a:r>
+              <a:rPr lang="es-ES" sz="2800" dirty="0">
+                <a:latin typeface="Cascadia Code" panose="020B0609020000020004" pitchFamily="49" charset="0"/>
+                <a:cs typeface="Cascadia Code" panose="020B0609020000020004" pitchFamily="49" charset="0"/>
+              </a:rPr>
+              <a:t>¿Qué es Zpecial?</a:t>
+            </a:r>
+          </a:p>
+          <a:p>
+            <a:pPr marL="907200" lvl="1" indent="-457200">
+              <a:buFont typeface="+mj-lt"/>
+              <a:buAutoNum type="arabicPeriod"/>
+            </a:pPr>
+            <a:r>
+              <a:rPr lang="es-ES" sz="2800" dirty="0">
+                <a:latin typeface="Cascadia Code" panose="020B0609020000020004" pitchFamily="49" charset="0"/>
+                <a:cs typeface="Cascadia Code" panose="020B0609020000020004" pitchFamily="49" charset="0"/>
+              </a:rPr>
+              <a:t>Landing Page</a:t>
+            </a:r>
+          </a:p>
+          <a:p>
+            <a:pPr marL="907200" lvl="1" indent="-457200">
+              <a:buFont typeface="+mj-lt"/>
+              <a:buAutoNum type="arabicPeriod"/>
+            </a:pPr>
+            <a:r>
+              <a:rPr lang="es-ES" sz="2800" dirty="0">
+                <a:latin typeface="Cascadia Code" panose="020B0609020000020004" pitchFamily="49" charset="0"/>
+                <a:cs typeface="Cascadia Code" panose="020B0609020000020004" pitchFamily="49" charset="0"/>
+              </a:rPr>
+              <a:t>Administrador</a:t>
+            </a:r>
+          </a:p>
+          <a:p>
+            <a:pPr marL="907200" lvl="1" indent="-457200">
+              <a:buFont typeface="+mj-lt"/>
+              <a:buAutoNum type="arabicPeriod"/>
+            </a:pPr>
+            <a:r>
+              <a:rPr lang="es-ES" sz="2800" dirty="0">
+                <a:latin typeface="Cascadia Code" panose="020B0609020000020004" pitchFamily="49" charset="0"/>
+                <a:cs typeface="Cascadia Code" panose="020B0609020000020004" pitchFamily="49" charset="0"/>
+              </a:rPr>
+              <a:t>Recepcionista</a:t>
+            </a:r>
+          </a:p>
+          <a:p>
+            <a:pPr marL="907200" lvl="1" indent="-457200">
+              <a:buFont typeface="+mj-lt"/>
+              <a:buAutoNum type="arabicPeriod"/>
+            </a:pPr>
+            <a:r>
+              <a:rPr lang="es-ES" sz="2800" dirty="0">
+                <a:latin typeface="Cascadia Code" panose="020B0609020000020004" pitchFamily="49" charset="0"/>
+                <a:cs typeface="Cascadia Code" panose="020B0609020000020004" pitchFamily="49" charset="0"/>
+              </a:rPr>
+              <a:t>Chef</a:t>
+            </a:r>
+          </a:p>
+          <a:p>
+            <a:pPr marL="907200" lvl="1" indent="-457200">
+              <a:buFont typeface="+mj-lt"/>
+              <a:buAutoNum type="arabicPeriod"/>
+            </a:pPr>
+            <a:r>
+              <a:rPr lang="es-ES" sz="2800" dirty="0">
+                <a:latin typeface="Cascadia Code" panose="020B0609020000020004" pitchFamily="49" charset="0"/>
+                <a:cs typeface="Cascadia Code" panose="020B0609020000020004" pitchFamily="49" charset="0"/>
+              </a:rPr>
+              <a:t>Delivery</a:t>
+            </a:r>
+          </a:p>
+          <a:p>
+            <a:pPr marL="907200" lvl="1" indent="-457200">
+              <a:buFont typeface="+mj-lt"/>
+              <a:buAutoNum type="arabicPeriod"/>
+            </a:pPr>
+            <a:r>
+              <a:rPr lang="es-ES" sz="2800" dirty="0">
+                <a:latin typeface="Cascadia Code" panose="020B0609020000020004" pitchFamily="49" charset="0"/>
+                <a:cs typeface="Cascadia Code" panose="020B0609020000020004" pitchFamily="49" charset="0"/>
+              </a:rPr>
+              <a:t>Usuario</a:t>
+            </a:r>
+          </a:p>
+        </p:txBody>
+      </p:sp>
+    </p:spTree>
+    <p:extLst>
+      <p:ext uri="{BB962C8B-B14F-4D97-AF65-F5344CB8AC3E}">
+        <p14:creationId xmlns:p14="http://schemas.microsoft.com/office/powerpoint/2010/main" val="1842202210"/>
+      </p:ext>
+    </p:extLst>
+  </p:cSld>
+  <p:clrMapOvr>
+    <a:masterClrMapping/>
+  </p:clrMapOvr>
+  <mc:AlternateContent xmlns:mc="http://schemas.openxmlformats.org/markup-compatibility/2006">
+    <mc:Choice xmlns:p14="http://schemas.microsoft.com/office/powerpoint/2010/main" Requires="p14">
+      <p:transition spd="slow" p14:dur="2300">
+        <p:wipe/>
+      </p:transition>
+    </mc:Choice>
+    <mc:Fallback>
+      <p:transition spd="slow">
+        <p:wipe/>
+      </p:transition>
+    </mc:Fallback>
+  </mc:AlternateContent>
+  <p:timing>
+    <p:tnLst>
+      <p:par>
+        <p:cTn id="1" dur="indefinite" restart="never" nodeType="tmRoot">
+          <p:childTnLst>
+            <p:seq concurrent="1" nextAc="seek">
+              <p:cTn id="2" dur="indefinite" nodeType="mainSeq">
+                <p:childTnLst>
+                  <p:par>
+                    <p:cTn id="3" fill="hold">
+                      <p:stCondLst>
+                        <p:cond delay="indefinite"/>
+                        <p:cond evt="onBegin" delay="0">
+                          <p:tn val="2"/>
+                        </p:cond>
+                      </p:stCondLst>
+                      <p:childTnLst>
+                        <p:par>
+                          <p:cTn id="4" fill="hold">
+                            <p:stCondLst>
+                              <p:cond delay="0"/>
+                            </p:stCondLst>
+                            <p:childTnLst>
+                              <p:par>
+                                <p:cTn id="5" presetID="22" presetClass="entr" presetSubtype="4" fill="hold" grpId="0" nodeType="afterEffect">
+                                  <p:stCondLst>
+                                    <p:cond delay="0"/>
+                                  </p:stCondLst>
+                                  <p:childTnLst>
+                                    <p:set>
+                                      <p:cBhvr>
+                                        <p:cTn id="6" dur="1" fill="hold">
+                                          <p:stCondLst>
+                                            <p:cond delay="0"/>
+                                          </p:stCondLst>
+                                        </p:cTn>
+                                        <p:tgtEl>
+                                          <p:spTgt spid="8"/>
+                                        </p:tgtEl>
+                                        <p:attrNameLst>
+                                          <p:attrName>style.visibility</p:attrName>
+                                        </p:attrNameLst>
+                                      </p:cBhvr>
+                                      <p:to>
+                                        <p:strVal val="visible"/>
+                                      </p:to>
+                                    </p:set>
+                                    <p:animEffect transition="in" filter="wipe(down)">
+                                      <p:cBhvr>
+                                        <p:cTn id="7" dur="750"/>
+                                        <p:tgtEl>
+                                          <p:spTgt spid="8"/>
+                                        </p:tgtEl>
+                                      </p:cBhvr>
+                                    </p:animEffect>
+                                  </p:childTnLst>
+                                </p:cTn>
+                              </p:par>
+                              <p:par>
+                                <p:cTn id="8" presetID="16" presetClass="entr" presetSubtype="21" fill="hold" grpId="0" nodeType="withEffect">
+                                  <p:stCondLst>
+                                    <p:cond delay="0"/>
+                                  </p:stCondLst>
+                                  <p:childTnLst>
+                                    <p:set>
+                                      <p:cBhvr>
+                                        <p:cTn id="9" dur="1" fill="hold">
+                                          <p:stCondLst>
+                                            <p:cond delay="0"/>
+                                          </p:stCondLst>
+                                        </p:cTn>
+                                        <p:tgtEl>
+                                          <p:spTgt spid="9">
+                                            <p:txEl>
+                                              <p:pRg st="0" end="0"/>
+                                            </p:txEl>
+                                          </p:spTgt>
+                                        </p:tgtEl>
+                                        <p:attrNameLst>
+                                          <p:attrName>style.visibility</p:attrName>
+                                        </p:attrNameLst>
+                                      </p:cBhvr>
+                                      <p:to>
+                                        <p:strVal val="visible"/>
+                                      </p:to>
+                                    </p:set>
+                                    <p:animEffect transition="in" filter="barn(inVertical)">
+                                      <p:cBhvr>
+                                        <p:cTn id="10" dur="750"/>
+                                        <p:tgtEl>
+                                          <p:spTgt spid="9">
+                                            <p:txEl>
+                                              <p:pRg st="0" end="0"/>
+                                            </p:txEl>
+                                          </p:spTgt>
+                                        </p:tgtEl>
+                                      </p:cBhvr>
+                                    </p:animEffect>
+                                  </p:childTnLst>
+                                </p:cTn>
+                              </p:par>
+                              <p:par>
+                                <p:cTn id="11" presetID="16" presetClass="entr" presetSubtype="21" fill="hold" grpId="0" nodeType="withEffect">
+                                  <p:stCondLst>
+                                    <p:cond delay="0"/>
+                                  </p:stCondLst>
+                                  <p:childTnLst>
+                                    <p:set>
+                                      <p:cBhvr>
+                                        <p:cTn id="12" dur="1" fill="hold">
+                                          <p:stCondLst>
+                                            <p:cond delay="0"/>
+                                          </p:stCondLst>
+                                        </p:cTn>
+                                        <p:tgtEl>
+                                          <p:spTgt spid="9">
+                                            <p:txEl>
+                                              <p:pRg st="1" end="1"/>
+                                            </p:txEl>
+                                          </p:spTgt>
+                                        </p:tgtEl>
+                                        <p:attrNameLst>
+                                          <p:attrName>style.visibility</p:attrName>
+                                        </p:attrNameLst>
+                                      </p:cBhvr>
+                                      <p:to>
+                                        <p:strVal val="visible"/>
+                                      </p:to>
+                                    </p:set>
+                                    <p:animEffect transition="in" filter="barn(inVertical)">
+                                      <p:cBhvr>
+                                        <p:cTn id="13" dur="750"/>
+                                        <p:tgtEl>
+                                          <p:spTgt spid="9">
+                                            <p:txEl>
+                                              <p:pRg st="1" end="1"/>
+                                            </p:txEl>
+                                          </p:spTgt>
+                                        </p:tgtEl>
+                                      </p:cBhvr>
+                                    </p:animEffect>
+                                  </p:childTnLst>
+                                </p:cTn>
+                              </p:par>
+                              <p:par>
+                                <p:cTn id="14" presetID="16" presetClass="entr" presetSubtype="21" fill="hold" grpId="0" nodeType="withEffect">
+                                  <p:stCondLst>
+                                    <p:cond delay="0"/>
+                                  </p:stCondLst>
+                                  <p:childTnLst>
+                                    <p:set>
+                                      <p:cBhvr>
+                                        <p:cTn id="15" dur="1" fill="hold">
+                                          <p:stCondLst>
+                                            <p:cond delay="0"/>
+                                          </p:stCondLst>
+                                        </p:cTn>
+                                        <p:tgtEl>
+                                          <p:spTgt spid="9">
+                                            <p:txEl>
+                                              <p:pRg st="2" end="2"/>
+                                            </p:txEl>
+                                          </p:spTgt>
+                                        </p:tgtEl>
+                                        <p:attrNameLst>
+                                          <p:attrName>style.visibility</p:attrName>
+                                        </p:attrNameLst>
+                                      </p:cBhvr>
+                                      <p:to>
+                                        <p:strVal val="visible"/>
+                                      </p:to>
+                                    </p:set>
+                                    <p:animEffect transition="in" filter="barn(inVertical)">
+                                      <p:cBhvr>
+                                        <p:cTn id="16" dur="750"/>
+                                        <p:tgtEl>
+                                          <p:spTgt spid="9">
+                                            <p:txEl>
+                                              <p:pRg st="2" end="2"/>
+                                            </p:txEl>
+                                          </p:spTgt>
+                                        </p:tgtEl>
+                                      </p:cBhvr>
+                                    </p:animEffect>
+                                  </p:childTnLst>
+                                </p:cTn>
+                              </p:par>
+                              <p:par>
+                                <p:cTn id="17" presetID="16" presetClass="entr" presetSubtype="21" fill="hold" grpId="0" nodeType="withEffect">
+                                  <p:stCondLst>
+                                    <p:cond delay="0"/>
+                                  </p:stCondLst>
+                                  <p:childTnLst>
+                                    <p:set>
+                                      <p:cBhvr>
+                                        <p:cTn id="18" dur="1" fill="hold">
+                                          <p:stCondLst>
+                                            <p:cond delay="0"/>
+                                          </p:stCondLst>
+                                        </p:cTn>
+                                        <p:tgtEl>
+                                          <p:spTgt spid="9">
+                                            <p:txEl>
+                                              <p:pRg st="3" end="3"/>
+                                            </p:txEl>
+                                          </p:spTgt>
+                                        </p:tgtEl>
+                                        <p:attrNameLst>
+                                          <p:attrName>style.visibility</p:attrName>
+                                        </p:attrNameLst>
+                                      </p:cBhvr>
+                                      <p:to>
+                                        <p:strVal val="visible"/>
+                                      </p:to>
+                                    </p:set>
+                                    <p:animEffect transition="in" filter="barn(inVertical)">
+                                      <p:cBhvr>
+                                        <p:cTn id="19" dur="750"/>
+                                        <p:tgtEl>
+                                          <p:spTgt spid="9">
+                                            <p:txEl>
+                                              <p:pRg st="3" end="3"/>
+                                            </p:txEl>
+                                          </p:spTgt>
+                                        </p:tgtEl>
+                                      </p:cBhvr>
+                                    </p:animEffect>
+                                  </p:childTnLst>
+                                </p:cTn>
+                              </p:par>
+                              <p:par>
+                                <p:cTn id="20" presetID="16" presetClass="entr" presetSubtype="21" fill="hold" grpId="0" nodeType="withEffect">
+                                  <p:stCondLst>
+                                    <p:cond delay="0"/>
+                                  </p:stCondLst>
+                                  <p:childTnLst>
+                                    <p:set>
+                                      <p:cBhvr>
+                                        <p:cTn id="21" dur="1" fill="hold">
+                                          <p:stCondLst>
+                                            <p:cond delay="0"/>
+                                          </p:stCondLst>
+                                        </p:cTn>
+                                        <p:tgtEl>
+                                          <p:spTgt spid="9">
+                                            <p:txEl>
+                                              <p:pRg st="4" end="4"/>
+                                            </p:txEl>
+                                          </p:spTgt>
+                                        </p:tgtEl>
+                                        <p:attrNameLst>
+                                          <p:attrName>style.visibility</p:attrName>
+                                        </p:attrNameLst>
+                                      </p:cBhvr>
+                                      <p:to>
+                                        <p:strVal val="visible"/>
+                                      </p:to>
+                                    </p:set>
+                                    <p:animEffect transition="in" filter="barn(inVertical)">
+                                      <p:cBhvr>
+                                        <p:cTn id="22" dur="750"/>
+                                        <p:tgtEl>
+                                          <p:spTgt spid="9">
+                                            <p:txEl>
+                                              <p:pRg st="4" end="4"/>
+                                            </p:txEl>
+                                          </p:spTgt>
+                                        </p:tgtEl>
+                                      </p:cBhvr>
+                                    </p:animEffect>
+                                  </p:childTnLst>
+                                </p:cTn>
+                              </p:par>
+                              <p:par>
+                                <p:cTn id="23" presetID="16" presetClass="entr" presetSubtype="21" fill="hold" grpId="0" nodeType="withEffect">
+                                  <p:stCondLst>
+                                    <p:cond delay="0"/>
+                                  </p:stCondLst>
+                                  <p:childTnLst>
+                                    <p:set>
+                                      <p:cBhvr>
+                                        <p:cTn id="24" dur="1" fill="hold">
+                                          <p:stCondLst>
+                                            <p:cond delay="0"/>
+                                          </p:stCondLst>
+                                        </p:cTn>
+                                        <p:tgtEl>
+                                          <p:spTgt spid="9">
+                                            <p:txEl>
+                                              <p:pRg st="5" end="5"/>
+                                            </p:txEl>
+                                          </p:spTgt>
+                                        </p:tgtEl>
+                                        <p:attrNameLst>
+                                          <p:attrName>style.visibility</p:attrName>
+                                        </p:attrNameLst>
+                                      </p:cBhvr>
+                                      <p:to>
+                                        <p:strVal val="visible"/>
+                                      </p:to>
+                                    </p:set>
+                                    <p:animEffect transition="in" filter="barn(inVertical)">
+                                      <p:cBhvr>
+                                        <p:cTn id="25" dur="750"/>
+                                        <p:tgtEl>
+                                          <p:spTgt spid="9">
+                                            <p:txEl>
+                                              <p:pRg st="5" end="5"/>
+                                            </p:txEl>
+                                          </p:spTgt>
+                                        </p:tgtEl>
+                                      </p:cBhvr>
+                                    </p:animEffect>
+                                  </p:childTnLst>
+                                </p:cTn>
+                              </p:par>
+                              <p:par>
+                                <p:cTn id="26" presetID="16" presetClass="entr" presetSubtype="21" fill="hold" grpId="0" nodeType="withEffect">
+                                  <p:stCondLst>
+                                    <p:cond delay="0"/>
+                                  </p:stCondLst>
+                                  <p:childTnLst>
+                                    <p:set>
+                                      <p:cBhvr>
+                                        <p:cTn id="27" dur="1" fill="hold">
+                                          <p:stCondLst>
+                                            <p:cond delay="0"/>
+                                          </p:stCondLst>
+                                        </p:cTn>
+                                        <p:tgtEl>
+                                          <p:spTgt spid="9">
+                                            <p:txEl>
+                                              <p:pRg st="6" end="6"/>
+                                            </p:txEl>
+                                          </p:spTgt>
+                                        </p:tgtEl>
+                                        <p:attrNameLst>
+                                          <p:attrName>style.visibility</p:attrName>
+                                        </p:attrNameLst>
+                                      </p:cBhvr>
+                                      <p:to>
+                                        <p:strVal val="visible"/>
+                                      </p:to>
+                                    </p:set>
+                                    <p:animEffect transition="in" filter="barn(inVertical)">
+                                      <p:cBhvr>
+                                        <p:cTn id="28" dur="750"/>
+                                        <p:tgtEl>
+                                          <p:spTgt spid="9">
+                                            <p:txEl>
+                                              <p:pRg st="6" end="6"/>
+                                            </p:txEl>
+                                          </p:spTgt>
+                                        </p:tgtEl>
+                                      </p:cBhvr>
+                                    </p:animEffect>
+                                  </p:childTnLst>
+                                </p:cTn>
+                              </p:par>
+                            </p:childTnLst>
+                          </p:cTn>
+                        </p:par>
+                      </p:childTnLst>
+                    </p:cTn>
+                  </p:par>
+                </p:childTnLst>
+              </p:cTn>
+              <p:prevCondLst>
+                <p:cond evt="onPrev" delay="0">
+                  <p:tgtEl>
+                    <p:sldTgt/>
+                  </p:tgtEl>
+                </p:cond>
+              </p:prevCondLst>
+              <p:nextCondLst>
+                <p:cond evt="onNext" delay="0">
+                  <p:tgtEl>
+                    <p:sldTgt/>
+                  </p:tgtEl>
+                </p:cond>
+              </p:nextCondLst>
+            </p:seq>
+          </p:childTnLst>
+        </p:cTn>
+      </p:par>
+    </p:tnLst>
+    <p:bldLst>
+      <p:bldP spid="8" grpId="0"/>
+      <p:bldP spid="9" grpId="0" build="p"/>
+    </p:bldLst>
+  </p:timing>
+</p:sld>
+</file>
+
+<file path=ppt/slides/slide3.xml><?xml version="1.0" encoding="utf-8"?>
 <p:sld xmlns:a="http://schemas.openxmlformats.org/drawingml/2006/main" xmlns:r="http://schemas.openxmlformats.org/officeDocument/2006/relationships" xmlns:p="http://schemas.openxmlformats.org/presentationml/2006/main">
   <p:cSld>
     <p:spTree>
@@ -8398,13 +9935,13 @@
   <p:clrMapOvr>
     <a:masterClrMapping/>
   </p:clrMapOvr>
-  <mc:AlternateContent xmlns:mc="http://schemas.openxmlformats.org/markup-compatibility/2006">
-    <mc:Choice xmlns:p14="http://schemas.microsoft.com/office/powerpoint/2010/main" Requires="p14">
+  <mc:AlternateContent xmlns:mc="http://schemas.openxmlformats.org/markup-compatibility/2006" xmlns:p14="http://schemas.microsoft.com/office/powerpoint/2010/main">
+    <mc:Choice Requires="p14">
       <p:transition spd="slow" p14:dur="2300">
         <p:wipe/>
       </p:transition>
     </mc:Choice>
-    <mc:Fallback>
+    <mc:Fallback xmlns="">
       <p:transition spd="slow">
         <p:wipe/>
       </p:transition>
@@ -8546,7 +10083,7 @@
 </p:sld>
 </file>
 
-<file path=ppt/slides/slide3.xml><?xml version="1.0" encoding="utf-8"?>
+<file path=ppt/slides/slide4.xml><?xml version="1.0" encoding="utf-8"?>
 <p:sld xmlns:a="http://schemas.openxmlformats.org/drawingml/2006/main" xmlns:r="http://schemas.openxmlformats.org/officeDocument/2006/relationships" xmlns:p="http://schemas.openxmlformats.org/presentationml/2006/main">
   <p:cSld>
     <p:spTree>
@@ -8680,13 +10217,13 @@
   <p:clrMapOvr>
     <a:masterClrMapping/>
   </p:clrMapOvr>
-  <mc:AlternateContent xmlns:mc="http://schemas.openxmlformats.org/markup-compatibility/2006">
-    <mc:Choice xmlns:p14="http://schemas.microsoft.com/office/powerpoint/2010/main" Requires="p14">
+  <mc:AlternateContent xmlns:mc="http://schemas.openxmlformats.org/markup-compatibility/2006" xmlns:p14="http://schemas.microsoft.com/office/powerpoint/2010/main">
+    <mc:Choice Requires="p14">
       <p:transition spd="slow" p14:dur="2300">
         <p:wipe/>
       </p:transition>
     </mc:Choice>
-    <mc:Fallback>
+    <mc:Fallback xmlns="">
       <p:transition spd="slow">
         <p:wipe/>
       </p:transition>
@@ -8819,7 +10356,7 @@
 </p:sld>
 </file>
 
-<file path=ppt/slides/slide4.xml><?xml version="1.0" encoding="utf-8"?>
+<file path=ppt/slides/slide5.xml><?xml version="1.0" encoding="utf-8"?>
 <p:sld xmlns:a="http://schemas.openxmlformats.org/drawingml/2006/main" xmlns:r="http://schemas.openxmlformats.org/officeDocument/2006/relationships" xmlns:p="http://schemas.openxmlformats.org/presentationml/2006/main">
   <p:cSld>
     <p:spTree>
@@ -9068,13 +10605,13 @@
   <p:clrMapOvr>
     <a:masterClrMapping/>
   </p:clrMapOvr>
-  <mc:AlternateContent xmlns:mc="http://schemas.openxmlformats.org/markup-compatibility/2006">
-    <mc:Choice xmlns:p14="http://schemas.microsoft.com/office/powerpoint/2010/main" Requires="p14">
+  <mc:AlternateContent xmlns:mc="http://schemas.openxmlformats.org/markup-compatibility/2006" xmlns:p14="http://schemas.microsoft.com/office/powerpoint/2010/main">
+    <mc:Choice Requires="p14">
       <p:transition spd="slow" p14:dur="2300">
         <p:wipe/>
       </p:transition>
     </mc:Choice>
-    <mc:Fallback>
+    <mc:Fallback xmlns="">
       <p:transition spd="slow">
         <p:wipe/>
       </p:transition>
@@ -9518,7 +11055,7 @@
 </p:sld>
 </file>
 
-<file path=ppt/slides/slide5.xml><?xml version="1.0" encoding="utf-8"?>
+<file path=ppt/slides/slide6.xml><?xml version="1.0" encoding="utf-8"?>
 <p:sld xmlns:a="http://schemas.openxmlformats.org/drawingml/2006/main" xmlns:r="http://schemas.openxmlformats.org/officeDocument/2006/relationships" xmlns:p="http://schemas.openxmlformats.org/presentationml/2006/main">
   <p:cSld>
     <p:bg>
@@ -9772,13 +11309,13 @@
   <p:clrMapOvr>
     <a:overrideClrMapping bg1="dk1" tx1="lt1" bg2="dk2" tx2="lt2" accent1="accent1" accent2="accent2" accent3="accent3" accent4="accent4" accent5="accent5" accent6="accent6" hlink="hlink" folHlink="folHlink"/>
   </p:clrMapOvr>
-  <mc:AlternateContent xmlns:mc="http://schemas.openxmlformats.org/markup-compatibility/2006">
-    <mc:Choice xmlns:p14="http://schemas.microsoft.com/office/powerpoint/2010/main" Requires="p14">
+  <mc:AlternateContent xmlns:mc="http://schemas.openxmlformats.org/markup-compatibility/2006" xmlns:p14="http://schemas.microsoft.com/office/powerpoint/2010/main">
+    <mc:Choice Requires="p14">
       <p:transition spd="slow" p14:dur="2300">
         <p:wipe/>
       </p:transition>
     </mc:Choice>
-    <mc:Fallback>
+    <mc:Fallback xmlns="">
       <p:transition spd="slow">
         <p:wipe/>
       </p:transition>
@@ -10136,7 +11673,7 @@
 </p:sld>
 </file>
 
-<file path=ppt/slides/slide6.xml><?xml version="1.0" encoding="utf-8"?>
+<file path=ppt/slides/slide7.xml><?xml version="1.0" encoding="utf-8"?>
 <p:sld xmlns:a="http://schemas.openxmlformats.org/drawingml/2006/main" xmlns:r="http://schemas.openxmlformats.org/officeDocument/2006/relationships" xmlns:p="http://schemas.openxmlformats.org/presentationml/2006/main">
   <p:cSld>
     <p:spTree>
@@ -10334,13 +11871,13 @@
   <p:clrMapOvr>
     <a:masterClrMapping/>
   </p:clrMapOvr>
-  <mc:AlternateContent xmlns:mc="http://schemas.openxmlformats.org/markup-compatibility/2006">
-    <mc:Choice xmlns:p14="http://schemas.microsoft.com/office/powerpoint/2010/main" Requires="p14">
+  <mc:AlternateContent xmlns:mc="http://schemas.openxmlformats.org/markup-compatibility/2006" xmlns:p14="http://schemas.microsoft.com/office/powerpoint/2010/main">
+    <mc:Choice Requires="p14">
       <p:transition spd="slow" p14:dur="2300">
         <p:wipe/>
       </p:transition>
     </mc:Choice>
-    <mc:Fallback>
+    <mc:Fallback xmlns="">
       <p:transition spd="slow">
         <p:wipe/>
       </p:transition>
@@ -10612,7 +12149,7 @@
 </p:sld>
 </file>
 
-<file path=ppt/slides/slide7.xml><?xml version="1.0" encoding="utf-8"?>
+<file path=ppt/slides/slide8.xml><?xml version="1.0" encoding="utf-8"?>
 <p:sld xmlns:a="http://schemas.openxmlformats.org/drawingml/2006/main" xmlns:r="http://schemas.openxmlformats.org/officeDocument/2006/relationships" xmlns:p="http://schemas.openxmlformats.org/presentationml/2006/main">
   <p:cSld>
     <p:spTree>
@@ -10819,13 +12356,13 @@
   <p:clrMapOvr>
     <a:masterClrMapping/>
   </p:clrMapOvr>
-  <mc:AlternateContent xmlns:mc="http://schemas.openxmlformats.org/markup-compatibility/2006">
-    <mc:Choice xmlns:p14="http://schemas.microsoft.com/office/powerpoint/2010/main" Requires="p14">
+  <mc:AlternateContent xmlns:mc="http://schemas.openxmlformats.org/markup-compatibility/2006" xmlns:p14="http://schemas.microsoft.com/office/powerpoint/2010/main">
+    <mc:Choice Requires="p14">
       <p:transition spd="slow" p14:dur="2300">
         <p:wipe/>
       </p:transition>
     </mc:Choice>
-    <mc:Fallback>
+    <mc:Fallback xmlns="">
       <p:transition spd="slow">
         <p:wipe/>
       </p:transition>
@@ -11097,7 +12634,7 @@
 </p:sld>
 </file>
 
-<file path=ppt/slides/slide8.xml><?xml version="1.0" encoding="utf-8"?>
+<file path=ppt/slides/slide9.xml><?xml version="1.0" encoding="utf-8"?>
 <p:sld xmlns:a="http://schemas.openxmlformats.org/drawingml/2006/main" xmlns:r="http://schemas.openxmlformats.org/officeDocument/2006/relationships" xmlns:p="http://schemas.openxmlformats.org/presentationml/2006/main">
   <p:cSld>
     <p:spTree>
@@ -11222,13 +12759,13 @@
   <p:clrMapOvr>
     <a:masterClrMapping/>
   </p:clrMapOvr>
-  <mc:AlternateContent xmlns:mc="http://schemas.openxmlformats.org/markup-compatibility/2006">
-    <mc:Choice xmlns:p14="http://schemas.microsoft.com/office/powerpoint/2010/main" Requires="p14">
+  <mc:AlternateContent xmlns:mc="http://schemas.openxmlformats.org/markup-compatibility/2006" xmlns:p14="http://schemas.microsoft.com/office/powerpoint/2010/main">
+    <mc:Choice Requires="p14">
       <p:transition spd="slow" p14:dur="2300">
         <p:wipe/>
       </p:transition>
     </mc:Choice>
-    <mc:Fallback>
+    <mc:Fallback xmlns="">
       <p:transition spd="slow">
         <p:wipe/>
       </p:transition>
@@ -11356,738 +12893,6 @@
     </p:tnLst>
     <p:bldLst>
       <p:bldP spid="8" grpId="0"/>
-    </p:bldLst>
-  </p:timing>
-</p:sld>
-</file>
-
-<file path=ppt/slides/slide9.xml><?xml version="1.0" encoding="utf-8"?>
-<p:sld xmlns:a="http://schemas.openxmlformats.org/drawingml/2006/main" xmlns:r="http://schemas.openxmlformats.org/officeDocument/2006/relationships" xmlns:p="http://schemas.openxmlformats.org/presentationml/2006/main">
-  <p:cSld>
-    <p:spTree>
-      <p:nvGrpSpPr>
-        <p:cNvPr id="1" name=""/>
-        <p:cNvGrpSpPr/>
-        <p:nvPr/>
-      </p:nvGrpSpPr>
-      <p:grpSpPr>
-        <a:xfrm>
-          <a:off x="0" y="0"/>
-          <a:ext cx="0" cy="0"/>
-          <a:chOff x="0" y="0"/>
-          <a:chExt cx="0" cy="0"/>
-        </a:xfrm>
-      </p:grpSpPr>
-      <p:pic>
-        <p:nvPicPr>
-          <p:cNvPr id="5" name="Imagen 4">
-            <a:extLst>
-              <a:ext uri="{FF2B5EF4-FFF2-40B4-BE49-F238E27FC236}">
-                <a16:creationId xmlns:a16="http://schemas.microsoft.com/office/drawing/2014/main" id="{F8A1C807-B9AD-4C9B-BF9F-60F03428998E}"/>
-              </a:ext>
-              <a:ext uri="{C183D7F6-B498-43B3-948B-1728B52AA6E4}">
-                <adec:decorative xmlns:adec="http://schemas.microsoft.com/office/drawing/2017/decorative" val="1"/>
-              </a:ext>
-            </a:extLst>
-          </p:cNvPr>
-          <p:cNvPicPr>
-            <a:picLocks noChangeAspect="1"/>
-          </p:cNvPicPr>
-          <p:nvPr/>
-        </p:nvPicPr>
-        <p:blipFill rotWithShape="1">
-          <a:blip r:embed="rId4">
-            <a:extLst>
-              <a:ext uri="{28A0092B-C50C-407E-A947-70E740481C1C}">
-                <a14:useLocalDpi xmlns:a14="http://schemas.microsoft.com/office/drawing/2010/main" val="0"/>
-              </a:ext>
-            </a:extLst>
-          </a:blip>
-          <a:srcRect/>
-          <a:stretch/>
-        </p:blipFill>
-        <p:spPr>
-          <a:xfrm>
-            <a:off x="0" y="7196"/>
-            <a:ext cx="12192001" cy="6857990"/>
-          </a:xfrm>
-          <a:prstGeom prst="rect">
-            <a:avLst/>
-          </a:prstGeom>
-          <a:ln>
-            <a:noFill/>
-          </a:ln>
-          <a:effectLst>
-            <a:outerShdw blurRad="292100" dist="139700" dir="2700000" algn="tl" rotWithShape="0">
-              <a:srgbClr val="333333">
-                <a:alpha val="65000"/>
-              </a:srgbClr>
-            </a:outerShdw>
-          </a:effectLst>
-        </p:spPr>
-      </p:pic>
-      <p:sp useBgFill="1">
-        <p:nvSpPr>
-          <p:cNvPr id="103" name="Forma libre 5">
-            <a:extLst>
-              <a:ext uri="{FF2B5EF4-FFF2-40B4-BE49-F238E27FC236}">
-                <a16:creationId xmlns:a16="http://schemas.microsoft.com/office/drawing/2014/main" id="{FE469E50-3893-4ED6-92BA-2985C32B0CA6}"/>
-              </a:ext>
-              <a:ext uri="{C183D7F6-B498-43B3-948B-1728B52AA6E4}">
-                <adec:decorative xmlns:adec="http://schemas.microsoft.com/office/drawing/2017/decorative" val="1"/>
-              </a:ext>
-            </a:extLst>
-          </p:cNvPr>
-          <p:cNvSpPr>
-            <a:spLocks noGrp="1" noRot="1" noChangeAspect="1" noMove="1" noResize="1" noEditPoints="1" noAdjustHandles="1" noChangeArrowheads="1" noChangeShapeType="1" noTextEdit="1"/>
-          </p:cNvSpPr>
-          <p:nvPr>
-            <p:extLst>
-              <p:ext uri="{386F3935-93C4-4BCD-93E2-E3B085C9AB24}">
-                <p16:designElem xmlns:p16="http://schemas.microsoft.com/office/powerpoint/2015/main" val="1"/>
-              </p:ext>
-            </p:extLst>
-          </p:nvPr>
-        </p:nvSpPr>
-        <p:spPr bwMode="auto">
-          <a:xfrm rot="5400000">
-            <a:off x="7131809" y="1385982"/>
-            <a:ext cx="4031414" cy="4100418"/>
-          </a:xfrm>
-          <a:custGeom>
-            <a:avLst/>
-            <a:gdLst>
-              <a:gd name="T0" fmla="*/ 1577 w 1601"/>
-              <a:gd name="T1" fmla="*/ 0 h 696"/>
-              <a:gd name="T2" fmla="*/ 833 w 1601"/>
-              <a:gd name="T3" fmla="*/ 0 h 696"/>
-              <a:gd name="T4" fmla="*/ 768 w 1601"/>
-              <a:gd name="T5" fmla="*/ 0 h 696"/>
-              <a:gd name="T6" fmla="*/ 24 w 1601"/>
-              <a:gd name="T7" fmla="*/ 0 h 696"/>
-              <a:gd name="T8" fmla="*/ 0 w 1601"/>
-              <a:gd name="T9" fmla="*/ 27 h 696"/>
-              <a:gd name="T10" fmla="*/ 0 w 1601"/>
-              <a:gd name="T11" fmla="*/ 669 h 696"/>
-              <a:gd name="T12" fmla="*/ 24 w 1601"/>
-              <a:gd name="T13" fmla="*/ 696 h 696"/>
-              <a:gd name="T14" fmla="*/ 768 w 1601"/>
-              <a:gd name="T15" fmla="*/ 696 h 696"/>
-              <a:gd name="T16" fmla="*/ 833 w 1601"/>
-              <a:gd name="T17" fmla="*/ 696 h 696"/>
-              <a:gd name="T18" fmla="*/ 1577 w 1601"/>
-              <a:gd name="T19" fmla="*/ 696 h 696"/>
-              <a:gd name="T20" fmla="*/ 1601 w 1601"/>
-              <a:gd name="T21" fmla="*/ 669 h 696"/>
-              <a:gd name="T22" fmla="*/ 1601 w 1601"/>
-              <a:gd name="T23" fmla="*/ 27 h 696"/>
-              <a:gd name="T24" fmla="*/ 1577 w 1601"/>
-              <a:gd name="T25" fmla="*/ 0 h 696"/>
-            </a:gdLst>
-            <a:ahLst/>
-            <a:cxnLst>
-              <a:cxn ang="0">
-                <a:pos x="T0" y="T1"/>
-              </a:cxn>
-              <a:cxn ang="0">
-                <a:pos x="T2" y="T3"/>
-              </a:cxn>
-              <a:cxn ang="0">
-                <a:pos x="T4" y="T5"/>
-              </a:cxn>
-              <a:cxn ang="0">
-                <a:pos x="T6" y="T7"/>
-              </a:cxn>
-              <a:cxn ang="0">
-                <a:pos x="T8" y="T9"/>
-              </a:cxn>
-              <a:cxn ang="0">
-                <a:pos x="T10" y="T11"/>
-              </a:cxn>
-              <a:cxn ang="0">
-                <a:pos x="T12" y="T13"/>
-              </a:cxn>
-              <a:cxn ang="0">
-                <a:pos x="T14" y="T15"/>
-              </a:cxn>
-              <a:cxn ang="0">
-                <a:pos x="T16" y="T17"/>
-              </a:cxn>
-              <a:cxn ang="0">
-                <a:pos x="T18" y="T19"/>
-              </a:cxn>
-              <a:cxn ang="0">
-                <a:pos x="T20" y="T21"/>
-              </a:cxn>
-              <a:cxn ang="0">
-                <a:pos x="T22" y="T23"/>
-              </a:cxn>
-              <a:cxn ang="0">
-                <a:pos x="T24" y="T25"/>
-              </a:cxn>
-            </a:cxnLst>
-            <a:rect l="0" t="0" r="r" b="b"/>
-            <a:pathLst>
-              <a:path w="1601" h="696">
-                <a:moveTo>
-                  <a:pt x="1577" y="0"/>
-                </a:moveTo>
-                <a:cubicBezTo>
-                  <a:pt x="833" y="0"/>
-                  <a:pt x="833" y="0"/>
-                  <a:pt x="833" y="0"/>
-                </a:cubicBezTo>
-                <a:cubicBezTo>
-                  <a:pt x="768" y="0"/>
-                  <a:pt x="768" y="0"/>
-                  <a:pt x="768" y="0"/>
-                </a:cubicBezTo>
-                <a:cubicBezTo>
-                  <a:pt x="24" y="0"/>
-                  <a:pt x="24" y="0"/>
-                  <a:pt x="24" y="0"/>
-                </a:cubicBezTo>
-                <a:cubicBezTo>
-                  <a:pt x="11" y="0"/>
-                  <a:pt x="0" y="12"/>
-                  <a:pt x="0" y="27"/>
-                </a:cubicBezTo>
-                <a:cubicBezTo>
-                  <a:pt x="0" y="669"/>
-                  <a:pt x="0" y="669"/>
-                  <a:pt x="0" y="669"/>
-                </a:cubicBezTo>
-                <a:cubicBezTo>
-                  <a:pt x="0" y="684"/>
-                  <a:pt x="11" y="696"/>
-                  <a:pt x="24" y="696"/>
-                </a:cubicBezTo>
-                <a:cubicBezTo>
-                  <a:pt x="768" y="696"/>
-                  <a:pt x="768" y="696"/>
-                  <a:pt x="768" y="696"/>
-                </a:cubicBezTo>
-                <a:cubicBezTo>
-                  <a:pt x="833" y="696"/>
-                  <a:pt x="833" y="696"/>
-                  <a:pt x="833" y="696"/>
-                </a:cubicBezTo>
-                <a:cubicBezTo>
-                  <a:pt x="1577" y="696"/>
-                  <a:pt x="1577" y="696"/>
-                  <a:pt x="1577" y="696"/>
-                </a:cubicBezTo>
-                <a:cubicBezTo>
-                  <a:pt x="1590" y="696"/>
-                  <a:pt x="1601" y="684"/>
-                  <a:pt x="1601" y="669"/>
-                </a:cubicBezTo>
-                <a:cubicBezTo>
-                  <a:pt x="1601" y="27"/>
-                  <a:pt x="1601" y="27"/>
-                  <a:pt x="1601" y="27"/>
-                </a:cubicBezTo>
-                <a:cubicBezTo>
-                  <a:pt x="1601" y="12"/>
-                  <a:pt x="1590" y="0"/>
-                  <a:pt x="1577" y="0"/>
-                </a:cubicBezTo>
-                <a:close/>
-              </a:path>
-            </a:pathLst>
-          </a:custGeom>
-          <a:ln>
-            <a:noFill/>
-          </a:ln>
-          <a:effectLst>
-            <a:outerShdw blurRad="50800" dist="38100" dir="5400000" algn="tl" rotWithShape="0">
-              <a:srgbClr val="000000">
-                <a:alpha val="43000"/>
-              </a:srgbClr>
-            </a:outerShdw>
-          </a:effectLst>
-          <a:extLst>
-            <a:ext uri="{91240B29-F687-4f45-9708-019B960494DF}">
-              <a14:hiddenLine xmlns:p14="http://schemas.microsoft.com/office/powerpoint/2010/main" xmlns:a16="http://schemas.microsoft.com/office/drawing/2014/main" xmlns:a14="http://schemas.microsoft.com/office/drawing/2010/main" xmlns="" w="9525">
-                <a:solidFill>
-                  <a:srgbClr val="000000"/>
-                </a:solidFill>
-                <a:round/>
-                <a:headEnd/>
-                <a:tailEnd/>
-              </a14:hiddenLine>
-            </a:ext>
-          </a:extLst>
-        </p:spPr>
-        <p:txBody>
-          <a:bodyPr vert="horz" wrap="square" lIns="91440" tIns="45720" rIns="91440" bIns="45720" numCol="1" rtlCol="0" anchor="t" anchorCtr="0" compatLnSpc="1">
-            <a:prstTxWarp prst="textNoShape">
-              <a:avLst/>
-            </a:prstTxWarp>
-          </a:bodyPr>
-          <a:lstStyle/>
-          <a:p>
-            <a:pPr marL="0" marR="0" lvl="0" indent="0" algn="l" defTabSz="914400" rtl="0" eaLnBrk="1" fontAlgn="auto" latinLnBrk="0" hangingPunct="1">
-              <a:lnSpc>
-                <a:spcPct val="100000"/>
-              </a:lnSpc>
-              <a:spcBef>
-                <a:spcPts val="0"/>
-              </a:spcBef>
-              <a:spcAft>
-                <a:spcPts val="0"/>
-              </a:spcAft>
-              <a:buClrTx/>
-              <a:buSzTx/>
-              <a:buFontTx/>
-              <a:buNone/>
-              <a:tabLst/>
-              <a:defRPr/>
-            </a:pPr>
-            <a:endParaRPr kumimoji="0" lang="es-ES" sz="1800" b="0" i="0" u="none" strike="noStrike" kern="1200" cap="none" spc="0" normalizeH="0" baseline="0" dirty="0">
-              <a:ln>
-                <a:noFill/>
-              </a:ln>
-              <a:solidFill>
-                <a:prstClr val="white"/>
-              </a:solidFill>
-              <a:effectLst/>
-              <a:uLnTx/>
-              <a:uFillTx/>
-              <a:latin typeface="Goudy Old Style"/>
-              <a:ea typeface="+mn-ea"/>
-              <a:cs typeface="+mn-cs"/>
-            </a:endParaRPr>
-          </a:p>
-        </p:txBody>
-      </p:sp>
-      <p:sp>
-        <p:nvSpPr>
-          <p:cNvPr id="2" name="Título 1">
-            <a:extLst>
-              <a:ext uri="{FF2B5EF4-FFF2-40B4-BE49-F238E27FC236}">
-                <a16:creationId xmlns:a16="http://schemas.microsoft.com/office/drawing/2014/main" id="{0D1F047C-C727-42A7-85C5-68C5AA1B1A93}"/>
-              </a:ext>
-            </a:extLst>
-          </p:cNvPr>
-          <p:cNvSpPr>
-            <a:spLocks noGrp="1"/>
-          </p:cNvSpPr>
-          <p:nvPr>
-            <p:ph type="ctrTitle"/>
-          </p:nvPr>
-        </p:nvSpPr>
-        <p:spPr>
-          <a:xfrm>
-            <a:off x="8159649" y="2964896"/>
-            <a:ext cx="3535213" cy="665028"/>
-          </a:xfrm>
-          <a:noFill/>
-        </p:spPr>
-        <p:txBody>
-          <a:bodyPr rtlCol="0">
-            <a:noAutofit/>
-          </a:bodyPr>
-          <a:lstStyle/>
-          <a:p>
-            <a:pPr algn="l"/>
-            <a:r>
-              <a:rPr lang="es-ES" sz="6600" b="1" dirty="0">
-                <a:ln w="9525">
-                  <a:solidFill>
-                    <a:schemeClr val="bg1"/>
-                  </a:solidFill>
-                  <a:prstDash val="solid"/>
-                </a:ln>
-                <a:solidFill>
-                  <a:schemeClr val="tx1"/>
-                </a:solidFill>
-                <a:effectLst>
-                  <a:outerShdw blurRad="12700" dist="38100" dir="2700000" algn="tl" rotWithShape="0">
-                    <a:schemeClr val="bg1">
-                      <a:lumMod val="50000"/>
-                    </a:schemeClr>
-                  </a:outerShdw>
-                </a:effectLst>
-                <a:latin typeface="Cascadia Code" panose="020B0609020000020004" pitchFamily="49" charset="0"/>
-                <a:cs typeface="Cascadia Code" panose="020B0609020000020004" pitchFamily="49" charset="0"/>
-              </a:rPr>
-              <a:t>Fin</a:t>
-            </a:r>
-          </a:p>
-        </p:txBody>
-      </p:sp>
-      <p:sp>
-        <p:nvSpPr>
-          <p:cNvPr id="7" name="CuadroTexto 6">
-            <a:extLst>
-              <a:ext uri="{FF2B5EF4-FFF2-40B4-BE49-F238E27FC236}">
-                <a16:creationId xmlns:a16="http://schemas.microsoft.com/office/drawing/2014/main" id="{C29D185B-402B-7210-AED7-59922E4BE793}"/>
-              </a:ext>
-            </a:extLst>
-          </p:cNvPr>
-          <p:cNvSpPr txBox="1"/>
-          <p:nvPr/>
-        </p:nvSpPr>
-        <p:spPr>
-          <a:xfrm>
-            <a:off x="7234988" y="4938643"/>
-            <a:ext cx="4680787" cy="400110"/>
-          </a:xfrm>
-          <a:prstGeom prst="rect">
-            <a:avLst/>
-          </a:prstGeom>
-          <a:noFill/>
-        </p:spPr>
-        <p:txBody>
-          <a:bodyPr wrap="square" rtlCol="0">
-            <a:spAutoFit/>
-          </a:bodyPr>
-          <a:lstStyle/>
-          <a:p>
-            <a:r>
-              <a:rPr lang="es-ES" sz="2000" b="1" dirty="0">
-                <a:ln w="13462">
-                  <a:solidFill>
-                    <a:schemeClr val="bg1"/>
-                  </a:solidFill>
-                  <a:prstDash val="solid"/>
-                </a:ln>
-                <a:solidFill>
-                  <a:schemeClr val="tx1">
-                    <a:lumMod val="85000"/>
-                    <a:lumOff val="15000"/>
-                  </a:schemeClr>
-                </a:solidFill>
-                <a:effectLst>
-                  <a:outerShdw dist="38100" dir="2700000" algn="bl" rotWithShape="0">
-                    <a:schemeClr val="accent5"/>
-                  </a:outerShdw>
-                </a:effectLst>
-                <a:latin typeface="Cascadia Code" panose="020B0609020000020004" pitchFamily="49" charset="0"/>
-                <a:cs typeface="Cascadia Code" panose="020B0609020000020004" pitchFamily="49" charset="0"/>
-              </a:rPr>
-              <a:t>Cristóbal Alcalá Cazorla</a:t>
-            </a:r>
-          </a:p>
-        </p:txBody>
-      </p:sp>
-      <p:pic>
-        <p:nvPicPr>
-          <p:cNvPr id="8" name="Imagen 7" descr="Imagen que contiene tijeras, interior, taza, tabla&#10;&#10;Descripción generada automáticamente">
-            <a:extLst>
-              <a:ext uri="{FF2B5EF4-FFF2-40B4-BE49-F238E27FC236}">
-                <a16:creationId xmlns:a16="http://schemas.microsoft.com/office/drawing/2014/main" id="{2FC15273-25EB-D0F4-5980-3B84C14F9E6D}"/>
-              </a:ext>
-            </a:extLst>
-          </p:cNvPr>
-          <p:cNvPicPr>
-            <a:picLocks noChangeAspect="1"/>
-          </p:cNvPicPr>
-          <p:nvPr/>
-        </p:nvPicPr>
-        <p:blipFill>
-          <a:blip r:embed="rId5"/>
-          <a:stretch>
-            <a:fillRect/>
-          </a:stretch>
-        </p:blipFill>
-        <p:spPr>
-          <a:xfrm>
-            <a:off x="-1353909" y="101954"/>
-            <a:ext cx="6343650" cy="3571875"/>
-          </a:xfrm>
-          <a:prstGeom prst="rect">
-            <a:avLst/>
-          </a:prstGeom>
-          <a:ln>
-            <a:noFill/>
-          </a:ln>
-          <a:effectLst>
-            <a:outerShdw blurRad="190500" algn="tl" rotWithShape="0">
-              <a:srgbClr val="000000">
-                <a:alpha val="70000"/>
-              </a:srgbClr>
-            </a:outerShdw>
-          </a:effectLst>
-        </p:spPr>
-      </p:pic>
-      <p:pic>
-        <p:nvPicPr>
-          <p:cNvPr id="10" name="Gráfico 9">
-            <a:extLst>
-              <a:ext uri="{FF2B5EF4-FFF2-40B4-BE49-F238E27FC236}">
-                <a16:creationId xmlns:a16="http://schemas.microsoft.com/office/drawing/2014/main" id="{AAFFD519-605B-FBC3-0C30-D7E1967333BC}"/>
-              </a:ext>
-            </a:extLst>
-          </p:cNvPr>
-          <p:cNvPicPr>
-            <a:picLocks noChangeAspect="1"/>
-          </p:cNvPicPr>
-          <p:nvPr/>
-        </p:nvPicPr>
-        <p:blipFill>
-          <a:blip r:embed="rId6">
-            <a:extLst>
-              <a:ext uri="{96DAC541-7B7A-43D3-8B79-37D633B846F1}">
-                <asvg:svgBlip xmlns:asvg="http://schemas.microsoft.com/office/drawing/2016/SVG/main" r:embed="rId7"/>
-              </a:ext>
-            </a:extLst>
-          </a:blip>
-          <a:stretch>
-            <a:fillRect/>
-          </a:stretch>
-        </p:blipFill>
-        <p:spPr>
-          <a:xfrm rot="533260">
-            <a:off x="2219225" y="3674569"/>
-            <a:ext cx="2658857" cy="2928257"/>
-          </a:xfrm>
-          <a:prstGeom prst="rect">
-            <a:avLst/>
-          </a:prstGeom>
-          <a:effectLst>
-            <a:outerShdw blurRad="292100" dist="139700" dir="2700000" algn="tl" rotWithShape="0">
-              <a:srgbClr val="333333">
-                <a:alpha val="65000"/>
-              </a:srgbClr>
-            </a:outerShdw>
-          </a:effectLst>
-        </p:spPr>
-      </p:pic>
-    </p:spTree>
-    <p:extLst>
-      <p:ext uri="{BB962C8B-B14F-4D97-AF65-F5344CB8AC3E}">
-        <p14:creationId xmlns:p14="http://schemas.microsoft.com/office/powerpoint/2010/main" val="3746983897"/>
-      </p:ext>
-    </p:extLst>
-  </p:cSld>
-  <p:clrMapOvr>
-    <a:masterClrMapping/>
-  </p:clrMapOvr>
-  <mc:AlternateContent xmlns:mc="http://schemas.openxmlformats.org/markup-compatibility/2006">
-    <mc:Choice xmlns:p14="http://schemas.microsoft.com/office/powerpoint/2010/main" Requires="p14">
-      <p:transition spd="slow" p14:dur="2300">
-        <p:wipe/>
-      </p:transition>
-    </mc:Choice>
-    <mc:Fallback>
-      <p:transition spd="slow">
-        <p:wipe/>
-      </p:transition>
-    </mc:Fallback>
-  </mc:AlternateContent>
-  <p:timing>
-    <p:tnLst>
-      <p:par>
-        <p:cTn id="1" dur="indefinite" restart="never" nodeType="tmRoot">
-          <p:childTnLst>
-            <p:seq concurrent="1" nextAc="seek">
-              <p:cTn id="2" dur="indefinite" nodeType="mainSeq">
-                <p:childTnLst>
-                  <p:par>
-                    <p:cTn id="3" fill="hold">
-                      <p:stCondLst>
-                        <p:cond delay="indefinite"/>
-                        <p:cond evt="onBegin" delay="0">
-                          <p:tn val="2"/>
-                        </p:cond>
-                      </p:stCondLst>
-                      <p:childTnLst>
-                        <p:par>
-                          <p:cTn id="4" fill="hold">
-                            <p:stCondLst>
-                              <p:cond delay="0"/>
-                            </p:stCondLst>
-                            <p:childTnLst>
-                              <p:par>
-                                <p:cTn id="5" presetID="22" presetClass="entr" presetSubtype="4" fill="hold" grpId="0" nodeType="afterEffect">
-                                  <p:stCondLst>
-                                    <p:cond delay="0"/>
-                                  </p:stCondLst>
-                                  <p:childTnLst>
-                                    <p:set>
-                                      <p:cBhvr>
-                                        <p:cTn id="6" dur="1" fill="hold">
-                                          <p:stCondLst>
-                                            <p:cond delay="0"/>
-                                          </p:stCondLst>
-                                        </p:cTn>
-                                        <p:tgtEl>
-                                          <p:spTgt spid="2"/>
-                                        </p:tgtEl>
-                                        <p:attrNameLst>
-                                          <p:attrName>style.visibility</p:attrName>
-                                        </p:attrNameLst>
-                                      </p:cBhvr>
-                                      <p:to>
-                                        <p:strVal val="visible"/>
-                                      </p:to>
-                                    </p:set>
-                                    <p:animEffect transition="in" filter="wipe(down)">
-                                      <p:cBhvr>
-                                        <p:cTn id="7" dur="750"/>
-                                        <p:tgtEl>
-                                          <p:spTgt spid="2"/>
-                                        </p:tgtEl>
-                                      </p:cBhvr>
-                                    </p:animEffect>
-                                  </p:childTnLst>
-                                </p:cTn>
-                              </p:par>
-                              <p:par>
-                                <p:cTn id="8" presetID="16" presetClass="entr" presetSubtype="21" fill="hold" grpId="0" nodeType="withEffect">
-                                  <p:stCondLst>
-                                    <p:cond delay="0"/>
-                                  </p:stCondLst>
-                                  <p:childTnLst>
-                                    <p:set>
-                                      <p:cBhvr>
-                                        <p:cTn id="9" dur="1" fill="hold">
-                                          <p:stCondLst>
-                                            <p:cond delay="0"/>
-                                          </p:stCondLst>
-                                        </p:cTn>
-                                        <p:tgtEl>
-                                          <p:spTgt spid="7"/>
-                                        </p:tgtEl>
-                                        <p:attrNameLst>
-                                          <p:attrName>style.visibility</p:attrName>
-                                        </p:attrNameLst>
-                                      </p:cBhvr>
-                                      <p:to>
-                                        <p:strVal val="visible"/>
-                                      </p:to>
-                                    </p:set>
-                                    <p:animEffect transition="in" filter="barn(inVertical)">
-                                      <p:cBhvr>
-                                        <p:cTn id="10" dur="750"/>
-                                        <p:tgtEl>
-                                          <p:spTgt spid="7"/>
-                                        </p:tgtEl>
-                                      </p:cBhvr>
-                                    </p:animEffect>
-                                  </p:childTnLst>
-                                </p:cTn>
-                              </p:par>
-                            </p:childTnLst>
-                          </p:cTn>
-                        </p:par>
-                        <p:par>
-                          <p:cTn id="11" fill="hold">
-                            <p:stCondLst>
-                              <p:cond delay="750"/>
-                            </p:stCondLst>
-                            <p:childTnLst>
-                              <p:par>
-                                <p:cTn id="12" presetID="21" presetClass="entr" presetSubtype="1" fill="hold" nodeType="afterEffect">
-                                  <p:stCondLst>
-                                    <p:cond delay="0"/>
-                                  </p:stCondLst>
-                                  <p:childTnLst>
-                                    <p:set>
-                                      <p:cBhvr>
-                                        <p:cTn id="13" dur="1" fill="hold">
-                                          <p:stCondLst>
-                                            <p:cond delay="0"/>
-                                          </p:stCondLst>
-                                        </p:cTn>
-                                        <p:tgtEl>
-                                          <p:spTgt spid="8"/>
-                                        </p:tgtEl>
-                                        <p:attrNameLst>
-                                          <p:attrName>style.visibility</p:attrName>
-                                        </p:attrNameLst>
-                                      </p:cBhvr>
-                                      <p:to>
-                                        <p:strVal val="visible"/>
-                                      </p:to>
-                                    </p:set>
-                                    <p:animEffect transition="in" filter="wheel(1)">
-                                      <p:cBhvr>
-                                        <p:cTn id="14" dur="1000"/>
-                                        <p:tgtEl>
-                                          <p:spTgt spid="8"/>
-                                        </p:tgtEl>
-                                      </p:cBhvr>
-                                    </p:animEffect>
-                                  </p:childTnLst>
-                                </p:cTn>
-                              </p:par>
-                            </p:childTnLst>
-                          </p:cTn>
-                        </p:par>
-                        <p:par>
-                          <p:cTn id="15" fill="hold">
-                            <p:stCondLst>
-                              <p:cond delay="1750"/>
-                            </p:stCondLst>
-                            <p:childTnLst>
-                              <p:par>
-                                <p:cTn id="16" presetID="21" presetClass="entr" presetSubtype="1" fill="hold" nodeType="afterEffect">
-                                  <p:stCondLst>
-                                    <p:cond delay="0"/>
-                                  </p:stCondLst>
-                                  <p:childTnLst>
-                                    <p:set>
-                                      <p:cBhvr>
-                                        <p:cTn id="17" dur="1" fill="hold">
-                                          <p:stCondLst>
-                                            <p:cond delay="0"/>
-                                          </p:stCondLst>
-                                        </p:cTn>
-                                        <p:tgtEl>
-                                          <p:spTgt spid="10"/>
-                                        </p:tgtEl>
-                                        <p:attrNameLst>
-                                          <p:attrName>style.visibility</p:attrName>
-                                        </p:attrNameLst>
-                                      </p:cBhvr>
-                                      <p:to>
-                                        <p:strVal val="visible"/>
-                                      </p:to>
-                                    </p:set>
-                                    <p:animEffect transition="in" filter="wheel(1)">
-                                      <p:cBhvr>
-                                        <p:cTn id="18" dur="1000"/>
-                                        <p:tgtEl>
-                                          <p:spTgt spid="10"/>
-                                        </p:tgtEl>
-                                      </p:cBhvr>
-                                    </p:animEffect>
-                                  </p:childTnLst>
-                                </p:cTn>
-                              </p:par>
-                            </p:childTnLst>
-                          </p:cTn>
-                        </p:par>
-                      </p:childTnLst>
-                    </p:cTn>
-                  </p:par>
-                </p:childTnLst>
-              </p:cTn>
-              <p:prevCondLst>
-                <p:cond evt="onPrev" delay="0">
-                  <p:tgtEl>
-                    <p:sldTgt/>
-                  </p:tgtEl>
-                </p:cond>
-              </p:prevCondLst>
-              <p:nextCondLst>
-                <p:cond evt="onNext" delay="0">
-                  <p:tgtEl>
-                    <p:sldTgt/>
-                  </p:tgtEl>
-                </p:cond>
-              </p:nextCondLst>
-            </p:seq>
-          </p:childTnLst>
-        </p:cTn>
-      </p:par>
-    </p:tnLst>
-    <p:bldLst>
-      <p:bldP spid="2" grpId="0"/>
-      <p:bldP spid="7" grpId="0"/>
     </p:bldLst>
   </p:timing>
 </p:sld>
@@ -12874,6 +13679,49 @@
 </a:themeOverride>
 </file>
 
+<file path=ppt/theme/themeOverride10.xml><?xml version="1.0" encoding="utf-8"?>
+<a:themeOverride xmlns:a="http://schemas.openxmlformats.org/drawingml/2006/main">
+  <a:clrScheme name="Green">
+    <a:dk1>
+      <a:sysClr val="windowText" lastClr="000000"/>
+    </a:dk1>
+    <a:lt1>
+      <a:sysClr val="window" lastClr="FFFFFF"/>
+    </a:lt1>
+    <a:dk2>
+      <a:srgbClr val="455F51"/>
+    </a:dk2>
+    <a:lt2>
+      <a:srgbClr val="E3DED1"/>
+    </a:lt2>
+    <a:accent1>
+      <a:srgbClr val="549E39"/>
+    </a:accent1>
+    <a:accent2>
+      <a:srgbClr val="8AB833"/>
+    </a:accent2>
+    <a:accent3>
+      <a:srgbClr val="C0CF3A"/>
+    </a:accent3>
+    <a:accent4>
+      <a:srgbClr val="029676"/>
+    </a:accent4>
+    <a:accent5>
+      <a:srgbClr val="4AB5C4"/>
+    </a:accent5>
+    <a:accent6>
+      <a:srgbClr val="0989B1"/>
+    </a:accent6>
+    <a:hlink>
+      <a:srgbClr val="6B9F25"/>
+    </a:hlink>
+    <a:folHlink>
+      <a:srgbClr val="BA6906"/>
+    </a:folHlink>
+  </a:clrScheme>
+</a:themeOverride>
+</file>
+
 <file path=ppt/theme/themeOverride2.xml><?xml version="1.0" encoding="utf-8"?>
 <a:themeOverride xmlns:a="http://schemas.openxmlformats.org/drawingml/2006/main">
   <a:clrScheme name="Green">
@@ -13219,15 +14067,6 @@
 </file>
 
 <file path=customXml/item1.xml><?xml version="1.0" encoding="utf-8"?>
-<?mso-contentType ?>
-<FormTemplates xmlns="http://schemas.microsoft.com/sharepoint/v3/contenttype/forms">
-  <Display>DocumentLibraryForm</Display>
-  <Edit>DocumentLibraryForm</Edit>
-  <New>DocumentLibraryForm</New>
-</FormTemplates>
-</file>
-
-<file path=customXml/item2.xml><?xml version="1.0" encoding="utf-8"?>
 <ct:contentTypeSchema xmlns:ct="http://schemas.microsoft.com/office/2006/metadata/contentType" xmlns:ma="http://schemas.microsoft.com/office/2006/metadata/properties/metaAttributes" ct:_="" ma:_="" ma:contentTypeName="Document" ma:contentTypeID="0x01010079F111ED35F8CC479449609E8A0923A6" ma:contentTypeVersion="12" ma:contentTypeDescription="Create a new document." ma:contentTypeScope="" ma:versionID="a410dd7f93c95333ffa1b60ed6adedd1">
   <xsd:schema xmlns:xsd="http://www.w3.org/2001/XMLSchema" xmlns:xs="http://www.w3.org/2001/XMLSchema" xmlns:p="http://schemas.microsoft.com/office/2006/metadata/properties" xmlns:ns2="71af3243-3dd4-4a8d-8c0d-dd76da1f02a5" xmlns:ns3="16c05727-aa75-4e4a-9b5f-8a80a1165891" targetNamespace="http://schemas.microsoft.com/office/2006/metadata/properties" ma:root="true" ma:fieldsID="a936d9baba76aa3866493feff160faab" ns2:_="" ns3:_="">
     <xsd:import namespace="71af3243-3dd4-4a8d-8c0d-dd76da1f02a5"/>
@@ -13448,6 +14287,15 @@
 </ct:contentTypeSchema>
 </file>
 
+<file path=customXml/item2.xml><?xml version="1.0" encoding="utf-8"?>
+<?mso-contentType ?>
+<FormTemplates xmlns="http://schemas.microsoft.com/sharepoint/v3/contenttype/forms">
+  <Display>DocumentLibraryForm</Display>
+  <Edit>DocumentLibraryForm</Edit>
+  <New>DocumentLibraryForm</New>
+</FormTemplates>
+</file>
+
 <file path=customXml/item3.xml><?xml version="1.0" encoding="utf-8"?>
 <p:properties xmlns:p="http://schemas.microsoft.com/office/2006/metadata/properties" xmlns:xsi="http://www.w3.org/2001/XMLSchema-instance" xmlns:pc="http://schemas.microsoft.com/office/infopath/2007/PartnerControls">
   <documentManagement>
@@ -13458,14 +14306,6 @@
 </file>
 
 <file path=customXml/itemProps1.xml><?xml version="1.0" encoding="utf-8"?>
-<ds:datastoreItem xmlns:ds="http://schemas.openxmlformats.org/officeDocument/2006/customXml" ds:itemID="{64B270AB-C138-415C-897E-3C24487DECF1}">
-  <ds:schemaRefs>
-    <ds:schemaRef ds:uri="http://schemas.microsoft.com/sharepoint/v3/contenttype/forms"/>
-  </ds:schemaRefs>
-</ds:datastoreItem>
-</file>
-
-<file path=customXml/itemProps2.xml><?xml version="1.0" encoding="utf-8"?>
 <ds:datastoreItem xmlns:ds="http://schemas.openxmlformats.org/officeDocument/2006/customXml" ds:itemID="{0585E981-8C91-4205-A0C3-C991F42B4C9E}">
   <ds:schemaRefs>
     <ds:schemaRef ds:uri="http://schemas.microsoft.com/office/2006/metadata/contentType"/>
@@ -13484,6 +14324,14 @@
 </ds:datastoreItem>
 </file>
 
+<file path=customXml/itemProps2.xml><?xml version="1.0" encoding="utf-8"?>
+<ds:datastoreItem xmlns:ds="http://schemas.openxmlformats.org/officeDocument/2006/customXml" ds:itemID="{64B270AB-C138-415C-897E-3C24487DECF1}">
+  <ds:schemaRefs>
+    <ds:schemaRef ds:uri="http://schemas.microsoft.com/sharepoint/v3/contenttype/forms"/>
+  </ds:schemaRefs>
+</ds:datastoreItem>
+</file>
+
 <file path=customXml/itemProps3.xml><?xml version="1.0" encoding="utf-8"?>
 <ds:datastoreItem xmlns:ds="http://schemas.openxmlformats.org/officeDocument/2006/customXml" ds:itemID="{2C4C00F4-06E9-43E3-AD97-88A857CEFA82}">
   <ds:schemaRefs>
